--- a/Vortrag/Themenstellung_24.pptx
+++ b/Vortrag/Themenstellung_24.pptx
@@ -6,10 +6,10 @@
     <p:sldMasterId id="2147483661" r:id="rId2"/>
   </p:sldMasterIdLst>
   <p:notesMasterIdLst>
-    <p:notesMasterId r:id="rId23"/>
+    <p:notesMasterId r:id="rId24"/>
   </p:notesMasterIdLst>
   <p:handoutMasterIdLst>
-    <p:handoutMasterId r:id="rId24"/>
+    <p:handoutMasterId r:id="rId25"/>
   </p:handoutMasterIdLst>
   <p:sldIdLst>
     <p:sldId id="256" r:id="rId3"/>
@@ -20,23 +20,24 @@
     <p:sldId id="282" r:id="rId8"/>
     <p:sldId id="262" r:id="rId9"/>
     <p:sldId id="263" r:id="rId10"/>
-    <p:sldId id="266" r:id="rId11"/>
-    <p:sldId id="278" r:id="rId12"/>
-    <p:sldId id="277" r:id="rId13"/>
-    <p:sldId id="281" r:id="rId14"/>
-    <p:sldId id="275" r:id="rId15"/>
-    <p:sldId id="276" r:id="rId16"/>
-    <p:sldId id="285" r:id="rId17"/>
-    <p:sldId id="280" r:id="rId18"/>
-    <p:sldId id="272" r:id="rId19"/>
-    <p:sldId id="286" r:id="rId20"/>
-    <p:sldId id="274" r:id="rId21"/>
-    <p:sldId id="260" r:id="rId22"/>
+    <p:sldId id="287" r:id="rId11"/>
+    <p:sldId id="266" r:id="rId12"/>
+    <p:sldId id="278" r:id="rId13"/>
+    <p:sldId id="277" r:id="rId14"/>
+    <p:sldId id="281" r:id="rId15"/>
+    <p:sldId id="275" r:id="rId16"/>
+    <p:sldId id="276" r:id="rId17"/>
+    <p:sldId id="285" r:id="rId18"/>
+    <p:sldId id="280" r:id="rId19"/>
+    <p:sldId id="272" r:id="rId20"/>
+    <p:sldId id="286" r:id="rId21"/>
+    <p:sldId id="274" r:id="rId22"/>
+    <p:sldId id="260" r:id="rId23"/>
   </p:sldIdLst>
   <p:sldSz cx="12192000" cy="6858000"/>
   <p:notesSz cx="6858000" cy="9144000"/>
   <p:custDataLst>
-    <p:tags r:id="rId25"/>
+    <p:tags r:id="rId26"/>
   </p:custDataLst>
   <p:defaultTextStyle>
     <a:defPPr>
@@ -356,7 +357,7 @@
             <a:fld id="{3B1880FF-5A4E-4F25-9CEE-0D75F7C3E5E1}" type="datetimeFigureOut">
               <a:rPr lang="de-DE" smtClean="0"/>
               <a:pPr/>
-              <a:t>18.01.2024</a:t>
+              <a:t>31.01.2024</a:t>
             </a:fld>
             <a:endParaRPr lang="de-DE"/>
           </a:p>
@@ -456,7 +457,7 @@
             <a:fld id="{4D31F1D7-8377-4A76-8F5D-3E76EEE25737}" type="datetimeFigureOut">
               <a:rPr lang="de-DE" smtClean="0"/>
               <a:pPr/>
-              <a:t>18.01.2024</a:t>
+              <a:t>31.01.2024</a:t>
             </a:fld>
             <a:endParaRPr lang="de-DE"/>
           </a:p>
@@ -1053,6 +1054,13 @@
   <p:clrMapOvr>
     <a:masterClrMapping/>
   </p:clrMapOvr>
+  <p:timing>
+    <p:tnLst>
+      <p:par>
+        <p:cTn id="1" dur="indefinite" restart="never" nodeType="tmRoot"/>
+      </p:par>
+    </p:tnLst>
+  </p:timing>
 </p:sldLayout>
 </file>
 
@@ -3144,7 +3152,7 @@
           <a:graphicData uri="http://schemas.openxmlformats.org/presentationml/2006/ole">
             <mc:AlternateContent xmlns:mc="http://schemas.openxmlformats.org/markup-compatibility/2006">
               <mc:Choice xmlns:v="urn:schemas-microsoft-com:vml" Requires="v">
-                <p:oleObj spid="_x0000_s1059" name="think-cell Folie" r:id="rId10" imgW="360" imgH="360" progId="">
+                <p:oleObj spid="_x0000_s1066" name="think-cell Folie" r:id="rId10" imgW="360" imgH="360" progId="">
                   <p:embed/>
                 </p:oleObj>
               </mc:Choice>
@@ -3559,7 +3567,7 @@
                 <a:latin typeface="Arial" pitchFamily="34" charset="0"/>
                 <a:cs typeface="Arial" pitchFamily="34" charset="0"/>
               </a:rPr>
-              <a:t>31.1.2024</a:t>
+              <a:t>31.01.2024</a:t>
             </a:r>
             <a:endParaRPr lang="en-US" sz="900" dirty="0">
               <a:solidFill>
@@ -3729,6 +3737,13 @@
     <p:sldLayoutId id="2147483652" r:id="rId4"/>
     <p:sldLayoutId id="2147483655" r:id="rId5"/>
   </p:sldLayoutIdLst>
+  <p:timing>
+    <p:tnLst>
+      <p:par>
+        <p:cTn id="1" dur="indefinite" restart="never" nodeType="tmRoot"/>
+      </p:par>
+    </p:tnLst>
+  </p:timing>
   <p:hf sldNum="0" hdr="0" ftr="0"/>
   <p:txStyles>
     <p:titleStyle>
@@ -4980,7 +4995,7 @@
             </a:r>
             <a:r>
               <a:rPr lang="de-DE" dirty="0" smtClean="0"/>
-              <a:t>31.1.2024</a:t>
+              <a:t>31.01.2024</a:t>
             </a:r>
             <a:endParaRPr lang="de-DE" dirty="0"/>
           </a:p>
@@ -5134,9 +5149,105 @@
           <a:chExt cx="0" cy="0"/>
         </a:xfrm>
       </p:grpSpPr>
+      <p:grpSp>
+        <p:nvGrpSpPr>
+          <p:cNvPr id="2" name="Highlight"/>
+          <p:cNvGrpSpPr>
+            <a:grpSpLocks/>
+          </p:cNvGrpSpPr>
+          <p:nvPr/>
+        </p:nvGrpSpPr>
+        <p:grpSpPr bwMode="auto">
+          <a:xfrm>
+            <a:off x="330200" y="2508250"/>
+            <a:ext cx="11518900" cy="288776"/>
+            <a:chOff x="342" y="1063"/>
+            <a:chExt cx="4329" cy="276"/>
+          </a:xfrm>
+        </p:grpSpPr>
+        <p:sp>
+          <p:nvSpPr>
+            <p:cNvPr id="3" name="Rectangle 1042"/>
+            <p:cNvSpPr>
+              <a:spLocks noChangeArrowheads="1"/>
+            </p:cNvSpPr>
+            <p:nvPr/>
+          </p:nvSpPr>
+          <p:spPr bwMode="auto">
+            <a:xfrm>
+              <a:off x="342" y="1063"/>
+              <a:ext cx="3118" cy="276"/>
+            </a:xfrm>
+            <a:prstGeom prst="rect">
+              <a:avLst/>
+            </a:prstGeom>
+            <a:solidFill>
+              <a:srgbClr val="FFFF00"/>
+            </a:solidFill>
+            <a:ln w="7239">
+              <a:noFill/>
+              <a:miter lim="800000"/>
+              <a:headEnd/>
+              <a:tailEnd/>
+            </a:ln>
+          </p:spPr>
+          <p:txBody>
+            <a:bodyPr wrap="none" anchor="ctr"/>
+            <a:lstStyle/>
+            <a:p>
+              <a:pPr algn="r" eaLnBrk="0" hangingPunct="0"/>
+              <a:endParaRPr lang="de-DE" dirty="0"/>
+            </a:p>
+          </p:txBody>
+        </p:sp>
+        <p:sp>
+          <p:nvSpPr>
+            <p:cNvPr id="4" name="Rectangle 1043"/>
+            <p:cNvSpPr>
+              <a:spLocks noChangeArrowheads="1"/>
+            </p:cNvSpPr>
+            <p:nvPr/>
+          </p:nvSpPr>
+          <p:spPr bwMode="auto">
+            <a:xfrm>
+              <a:off x="3460" y="1063"/>
+              <a:ext cx="1211" cy="276"/>
+            </a:xfrm>
+            <a:prstGeom prst="rect">
+              <a:avLst/>
+            </a:prstGeom>
+            <a:gradFill flip="none" rotWithShape="1">
+              <a:gsLst>
+                <a:gs pos="0">
+                  <a:srgbClr val="FFFF00"/>
+                </a:gs>
+                <a:gs pos="100000">
+                  <a:srgbClr val="FFFFFF"/>
+                </a:gs>
+              </a:gsLst>
+              <a:lin ang="0" scaled="1"/>
+              <a:tileRect/>
+            </a:gradFill>
+            <a:ln w="7239">
+              <a:noFill/>
+              <a:miter lim="800000"/>
+              <a:headEnd/>
+              <a:tailEnd/>
+            </a:ln>
+          </p:spPr>
+          <p:txBody>
+            <a:bodyPr wrap="none" anchor="ctr"/>
+            <a:lstStyle/>
+            <a:p>
+              <a:pPr algn="r" eaLnBrk="0" hangingPunct="0"/>
+              <a:endParaRPr lang="de-DE" dirty="0"/>
+            </a:p>
+          </p:txBody>
+        </p:sp>
+      </p:grpSp>
       <p:sp>
         <p:nvSpPr>
-          <p:cNvPr id="2" name="Titel 1"/>
+          <p:cNvPr id="5" name="Titel 3"/>
           <p:cNvSpPr>
             <a:spLocks noGrp="1"/>
           </p:cNvSpPr>
@@ -5144,16 +5255,452 @@
             <p:ph type="title"/>
           </p:nvPr>
         </p:nvSpPr>
-        <p:spPr/>
+        <p:spPr>
+          <a:xfrm>
+            <a:off x="334799" y="190800"/>
+            <a:ext cx="8784000" cy="576000"/>
+          </a:xfrm>
+        </p:spPr>
         <p:txBody>
           <a:bodyPr/>
           <a:lstStyle/>
           <a:p>
             <a:r>
+              <a:rPr lang="en-GB" dirty="0" err="1"/>
+              <a:t>Inhalt</a:t>
+            </a:r>
+            <a:endParaRPr lang="en-GB" dirty="0"/>
+          </a:p>
+        </p:txBody>
+      </p:sp>
+      <p:sp>
+        <p:nvSpPr>
+          <p:cNvPr id="6" name="Inhaltsplatzhalter 13"/>
+          <p:cNvSpPr>
+            <a:spLocks noGrp="1"/>
+          </p:cNvSpPr>
+          <p:nvPr>
+            <p:ph idx="1"/>
+          </p:nvPr>
+        </p:nvSpPr>
+        <p:spPr>
+          <a:xfrm>
+            <a:off x="334799" y="1447199"/>
+            <a:ext cx="11523600" cy="5144400"/>
+          </a:xfrm>
+        </p:spPr>
+        <p:txBody>
+          <a:bodyPr/>
+          <a:lstStyle/>
+          <a:p>
+            <a:r>
+              <a:rPr lang="en-US" dirty="0" err="1"/>
+              <a:t>Informationen</a:t>
+            </a:r>
+            <a:r>
+              <a:rPr lang="en-US" dirty="0"/>
+              <a:t> </a:t>
+            </a:r>
+            <a:r>
+              <a:rPr lang="en-US" dirty="0" err="1"/>
+              <a:t>zur</a:t>
+            </a:r>
+            <a:r>
+              <a:rPr lang="en-US" dirty="0"/>
+              <a:t> Person</a:t>
+            </a:r>
+          </a:p>
+          <a:p>
+            <a:r>
+              <a:rPr lang="en-US" dirty="0" err="1"/>
+              <a:t>Einleitung</a:t>
+            </a:r>
+            <a:endParaRPr lang="en-US" dirty="0"/>
+          </a:p>
+          <a:p>
+            <a:r>
+              <a:rPr lang="de-DE" dirty="0"/>
+              <a:t>Verteiltes Rechnen</a:t>
+            </a:r>
+          </a:p>
+          <a:p>
+            <a:r>
+              <a:rPr lang="de-DE" dirty="0"/>
+              <a:t>Anforderungen und </a:t>
+            </a:r>
+            <a:r>
               <a:rPr lang="de-DE" dirty="0" smtClean="0"/>
-              <a:t>Anforderungen und Anwendungsfälle</a:t>
-            </a:r>
-            <a:endParaRPr lang="de-DE" dirty="0"/>
+              <a:t>Anwendungsfälle</a:t>
+            </a:r>
+          </a:p>
+          <a:p>
+            <a:r>
+              <a:rPr lang="de-DE" dirty="0" smtClean="0"/>
+              <a:t>Softwarearchitektur</a:t>
+            </a:r>
+          </a:p>
+          <a:p>
+            <a:r>
+              <a:rPr lang="de-DE" dirty="0" smtClean="0"/>
+              <a:t>Arbeitsfortschritt </a:t>
+            </a:r>
+            <a:r>
+              <a:rPr lang="de-DE" dirty="0"/>
+              <a:t>und nächste Schritte</a:t>
+            </a:r>
+          </a:p>
+          <a:p>
+            <a:r>
+              <a:rPr lang="de-DE" dirty="0"/>
+              <a:t>Finanzierung</a:t>
+            </a:r>
+          </a:p>
+          <a:p>
+            <a:endParaRPr lang="en-GB" dirty="0"/>
+          </a:p>
+        </p:txBody>
+      </p:sp>
+    </p:spTree>
+    <p:extLst>
+      <p:ext uri="{BB962C8B-B14F-4D97-AF65-F5344CB8AC3E}">
+        <p14:creationId xmlns:p14="http://schemas.microsoft.com/office/powerpoint/2010/main" val="827391376"/>
+      </p:ext>
+    </p:extLst>
+  </p:cSld>
+  <p:clrMapOvr>
+    <a:masterClrMapping/>
+  </p:clrMapOvr>
+  <p:timing>
+    <p:tnLst>
+      <p:par>
+        <p:cTn id="1" dur="indefinite" restart="never" nodeType="tmRoot">
+          <p:childTnLst>
+            <p:seq concurrent="1" nextAc="seek">
+              <p:cTn id="2" dur="indefinite" nodeType="mainSeq">
+                <p:childTnLst>
+                  <p:par>
+                    <p:cTn id="3" fill="hold">
+                      <p:stCondLst>
+                        <p:cond delay="indefinite"/>
+                      </p:stCondLst>
+                      <p:childTnLst>
+                        <p:par>
+                          <p:cTn id="4" fill="hold">
+                            <p:stCondLst>
+                              <p:cond delay="0"/>
+                            </p:stCondLst>
+                            <p:childTnLst>
+                              <p:par>
+                                <p:cTn id="5" presetID="22" presetClass="entr" presetSubtype="8" fill="hold" nodeType="clickEffect">
+                                  <p:stCondLst>
+                                    <p:cond delay="0"/>
+                                  </p:stCondLst>
+                                  <p:childTnLst>
+                                    <p:set>
+                                      <p:cBhvr>
+                                        <p:cTn id="6" dur="1" fill="hold">
+                                          <p:stCondLst>
+                                            <p:cond delay="0"/>
+                                          </p:stCondLst>
+                                        </p:cTn>
+                                        <p:tgtEl>
+                                          <p:spTgt spid="2"/>
+                                        </p:tgtEl>
+                                        <p:attrNameLst>
+                                          <p:attrName>style.visibility</p:attrName>
+                                        </p:attrNameLst>
+                                      </p:cBhvr>
+                                      <p:to>
+                                        <p:strVal val="visible"/>
+                                      </p:to>
+                                    </p:set>
+                                    <p:animEffect transition="in" filter="wipe(left)">
+                                      <p:cBhvr>
+                                        <p:cTn id="7" dur="500"/>
+                                        <p:tgtEl>
+                                          <p:spTgt spid="2"/>
+                                        </p:tgtEl>
+                                      </p:cBhvr>
+                                    </p:animEffect>
+                                  </p:childTnLst>
+                                </p:cTn>
+                              </p:par>
+                            </p:childTnLst>
+                          </p:cTn>
+                        </p:par>
+                      </p:childTnLst>
+                    </p:cTn>
+                  </p:par>
+                </p:childTnLst>
+              </p:cTn>
+              <p:prevCondLst>
+                <p:cond evt="onPrev" delay="0">
+                  <p:tgtEl>
+                    <p:sldTgt/>
+                  </p:tgtEl>
+                </p:cond>
+              </p:prevCondLst>
+              <p:nextCondLst>
+                <p:cond evt="onNext" delay="0">
+                  <p:tgtEl>
+                    <p:sldTgt/>
+                  </p:tgtEl>
+                </p:cond>
+              </p:nextCondLst>
+            </p:seq>
+          </p:childTnLst>
+        </p:cTn>
+      </p:par>
+    </p:tnLst>
+  </p:timing>
+</p:sld>
+</file>
+
+<file path=ppt/slides/slide11.xml><?xml version="1.0" encoding="utf-8"?>
+<p:sld xmlns:a="http://schemas.openxmlformats.org/drawingml/2006/main" xmlns:r="http://schemas.openxmlformats.org/officeDocument/2006/relationships" xmlns:p="http://schemas.openxmlformats.org/presentationml/2006/main">
+  <p:cSld>
+    <p:spTree>
+      <p:nvGrpSpPr>
+        <p:cNvPr id="1" name=""/>
+        <p:cNvGrpSpPr/>
+        <p:nvPr/>
+      </p:nvGrpSpPr>
+      <p:grpSpPr>
+        <a:xfrm>
+          <a:off x="0" y="0"/>
+          <a:ext cx="0" cy="0"/>
+          <a:chOff x="0" y="0"/>
+          <a:chExt cx="0" cy="0"/>
+        </a:xfrm>
+      </p:grpSpPr>
+      <p:sp>
+        <p:nvSpPr>
+          <p:cNvPr id="16" name="Inhaltsplatzhalter 2"/>
+          <p:cNvSpPr txBox="1">
+            <a:spLocks/>
+          </p:cNvSpPr>
+          <p:nvPr/>
+        </p:nvSpPr>
+        <p:spPr>
+          <a:xfrm>
+            <a:off x="6120555" y="1285248"/>
+            <a:ext cx="5785800" cy="5276100"/>
+          </a:xfrm>
+          <a:prstGeom prst="rect">
+            <a:avLst/>
+          </a:prstGeom>
+        </p:spPr>
+        <p:txBody>
+          <a:bodyPr vert="horz" lIns="0" tIns="0" rIns="0" bIns="0" rtlCol="0">
+            <a:normAutofit/>
+          </a:bodyPr>
+          <a:lstStyle>
+            <a:lvl1pPr marL="360000" indent="-360000" algn="l" defTabSz="914400" rtl="0" eaLnBrk="1" latinLnBrk="0" hangingPunct="1">
+              <a:spcBef>
+                <a:spcPts val="0"/>
+              </a:spcBef>
+              <a:spcAft>
+                <a:spcPts val="600"/>
+              </a:spcAft>
+              <a:buClr>
+                <a:schemeClr val="tx2"/>
+              </a:buClr>
+              <a:buFont typeface="Wingdings" pitchFamily="2" charset="2"/>
+              <a:buChar char="§"/>
+              <a:defRPr lang="de-DE" sz="1800" kern="1200">
+                <a:solidFill>
+                  <a:schemeClr val="tx1"/>
+                </a:solidFill>
+                <a:latin typeface="Arial" pitchFamily="34" charset="0"/>
+                <a:ea typeface="+mn-ea"/>
+                <a:cs typeface="Arial" pitchFamily="34" charset="0"/>
+              </a:defRPr>
+            </a:lvl1pPr>
+            <a:lvl2pPr marL="720000" indent="-360000" algn="l" defTabSz="914400" rtl="0" eaLnBrk="1" latinLnBrk="0" hangingPunct="1">
+              <a:spcBef>
+                <a:spcPts val="0"/>
+              </a:spcBef>
+              <a:spcAft>
+                <a:spcPts val="600"/>
+              </a:spcAft>
+              <a:buClr>
+                <a:schemeClr val="tx2"/>
+              </a:buClr>
+              <a:buFont typeface="Wingdings" pitchFamily="2" charset="2"/>
+              <a:buChar char="§"/>
+              <a:defRPr lang="de-DE" sz="1800" kern="1200">
+                <a:solidFill>
+                  <a:schemeClr val="tx1"/>
+                </a:solidFill>
+                <a:latin typeface="Arial" pitchFamily="34" charset="0"/>
+                <a:ea typeface="+mn-ea"/>
+                <a:cs typeface="Arial" pitchFamily="34" charset="0"/>
+              </a:defRPr>
+            </a:lvl2pPr>
+            <a:lvl3pPr marL="1080000" indent="-360000" algn="l" defTabSz="914400" rtl="0" eaLnBrk="1" latinLnBrk="0" hangingPunct="1">
+              <a:spcBef>
+                <a:spcPts val="0"/>
+              </a:spcBef>
+              <a:spcAft>
+                <a:spcPts val="600"/>
+              </a:spcAft>
+              <a:buClr>
+                <a:schemeClr val="tx2"/>
+              </a:buClr>
+              <a:buFont typeface="Wingdings" pitchFamily="2" charset="2"/>
+              <a:buChar char="§"/>
+              <a:defRPr lang="de-DE" sz="1800" kern="1200">
+                <a:solidFill>
+                  <a:schemeClr val="tx1"/>
+                </a:solidFill>
+                <a:latin typeface="Arial" pitchFamily="34" charset="0"/>
+                <a:ea typeface="+mn-ea"/>
+                <a:cs typeface="Arial" pitchFamily="34" charset="0"/>
+              </a:defRPr>
+            </a:lvl3pPr>
+            <a:lvl4pPr marL="1438275" indent="-360000" algn="l" defTabSz="914400" rtl="0" eaLnBrk="1" latinLnBrk="0" hangingPunct="1">
+              <a:spcBef>
+                <a:spcPts val="0"/>
+              </a:spcBef>
+              <a:spcAft>
+                <a:spcPts val="600"/>
+              </a:spcAft>
+              <a:buClr>
+                <a:schemeClr val="tx2"/>
+              </a:buClr>
+              <a:buFont typeface="Wingdings" pitchFamily="2" charset="2"/>
+              <a:buChar char="§"/>
+              <a:defRPr lang="de-DE" sz="1800" kern="1200">
+                <a:solidFill>
+                  <a:schemeClr val="tx1"/>
+                </a:solidFill>
+                <a:latin typeface="Arial" pitchFamily="34" charset="0"/>
+                <a:ea typeface="+mn-ea"/>
+                <a:cs typeface="Arial" pitchFamily="34" charset="0"/>
+              </a:defRPr>
+            </a:lvl4pPr>
+            <a:lvl5pPr marL="1800000" indent="-360000" algn="l" defTabSz="914400" rtl="0" eaLnBrk="1" latinLnBrk="0" hangingPunct="1">
+              <a:spcBef>
+                <a:spcPts val="0"/>
+              </a:spcBef>
+              <a:spcAft>
+                <a:spcPts val="600"/>
+              </a:spcAft>
+              <a:buClr>
+                <a:schemeClr val="tx2"/>
+              </a:buClr>
+              <a:buFont typeface="Wingdings" pitchFamily="2" charset="2"/>
+              <a:buChar char="§"/>
+              <a:defRPr lang="de-DE" sz="1800" kern="1200">
+                <a:solidFill>
+                  <a:schemeClr val="tx1"/>
+                </a:solidFill>
+                <a:latin typeface="Arial" pitchFamily="34" charset="0"/>
+                <a:ea typeface="+mn-ea"/>
+                <a:cs typeface="Arial" pitchFamily="34" charset="0"/>
+              </a:defRPr>
+            </a:lvl5pPr>
+            <a:lvl6pPr marL="2514600" indent="-228600" algn="l" defTabSz="914400" rtl="0" eaLnBrk="1" latinLnBrk="0" hangingPunct="1">
+              <a:spcBef>
+                <a:spcPct val="20000"/>
+              </a:spcBef>
+              <a:buFont typeface="Arial" pitchFamily="34" charset="0"/>
+              <a:buChar char="•"/>
+              <a:defRPr sz="1800" kern="1200">
+                <a:solidFill>
+                  <a:schemeClr val="tx1"/>
+                </a:solidFill>
+                <a:latin typeface="+mn-lt"/>
+                <a:ea typeface="+mn-ea"/>
+                <a:cs typeface="+mn-cs"/>
+              </a:defRPr>
+            </a:lvl6pPr>
+            <a:lvl7pPr marL="2971800" indent="-228600" algn="l" defTabSz="914400" rtl="0" eaLnBrk="1" latinLnBrk="0" hangingPunct="1">
+              <a:spcBef>
+                <a:spcPct val="20000"/>
+              </a:spcBef>
+              <a:buFont typeface="Arial" pitchFamily="34" charset="0"/>
+              <a:buChar char="•"/>
+              <a:defRPr sz="1800" kern="1200">
+                <a:solidFill>
+                  <a:schemeClr val="tx1"/>
+                </a:solidFill>
+                <a:latin typeface="+mn-lt"/>
+                <a:ea typeface="+mn-ea"/>
+                <a:cs typeface="+mn-cs"/>
+              </a:defRPr>
+            </a:lvl7pPr>
+            <a:lvl8pPr marL="3429000" indent="-228600" algn="l" defTabSz="914400" rtl="0" eaLnBrk="1" latinLnBrk="0" hangingPunct="1">
+              <a:spcBef>
+                <a:spcPct val="20000"/>
+              </a:spcBef>
+              <a:buFont typeface="Arial" pitchFamily="34" charset="0"/>
+              <a:buChar char="•"/>
+              <a:defRPr sz="1800" kern="1200">
+                <a:solidFill>
+                  <a:schemeClr val="tx1"/>
+                </a:solidFill>
+                <a:latin typeface="+mn-lt"/>
+                <a:ea typeface="+mn-ea"/>
+                <a:cs typeface="+mn-cs"/>
+              </a:defRPr>
+            </a:lvl8pPr>
+            <a:lvl9pPr marL="3886200" indent="-228600" algn="l" defTabSz="914400" rtl="0" eaLnBrk="1" latinLnBrk="0" hangingPunct="1">
+              <a:spcBef>
+                <a:spcPct val="20000"/>
+              </a:spcBef>
+              <a:buFont typeface="Arial" pitchFamily="34" charset="0"/>
+              <a:buChar char="•"/>
+              <a:defRPr sz="1800" kern="1200">
+                <a:solidFill>
+                  <a:schemeClr val="tx1"/>
+                </a:solidFill>
+                <a:latin typeface="+mn-lt"/>
+                <a:ea typeface="+mn-ea"/>
+                <a:cs typeface="+mn-cs"/>
+              </a:defRPr>
+            </a:lvl9pPr>
+          </a:lstStyle>
+          <a:p>
+            <a:r>
+              <a:rPr lang="de-DE" sz="1400" b="1" dirty="0" smtClean="0"/>
+              <a:t>Implementierung:</a:t>
+            </a:r>
+          </a:p>
+          <a:p>
+            <a:pPr lvl="1"/>
+            <a:r>
+              <a:rPr lang="de-DE" sz="1400" dirty="0" smtClean="0"/>
+              <a:t>Kompatibilität mit möglichst vielen Fahrzeugsteuergeräten (Unix)</a:t>
+            </a:r>
+          </a:p>
+          <a:p>
+            <a:pPr lvl="1"/>
+            <a:r>
+              <a:rPr lang="de-DE" sz="1400" dirty="0" smtClean="0"/>
+              <a:t>Funktionsumfang beschränkt auf die erforderlichen Funktionen (Reduktion von Overhead, Minimierung von Sicherheitslücken)</a:t>
+            </a:r>
+          </a:p>
+          <a:p>
+            <a:pPr lvl="1"/>
+            <a:endParaRPr lang="de-DE" sz="1400" dirty="0" smtClean="0"/>
+          </a:p>
+          <a:p>
+            <a:pPr marL="720000" lvl="2" indent="0">
+              <a:buNone/>
+            </a:pPr>
+            <a:r>
+              <a:rPr lang="de-DE" sz="1400" dirty="0" smtClean="0"/>
+              <a:t>	Ein </a:t>
+            </a:r>
+            <a:r>
+              <a:rPr lang="de-DE" sz="1400" dirty="0"/>
+              <a:t>Managementsystem nach dem Vorbild Container 	Management ist geeignet</a:t>
+            </a:r>
+          </a:p>
+          <a:p>
+            <a:pPr lvl="2"/>
+            <a:endParaRPr lang="de-DE" sz="1400" dirty="0" smtClean="0"/>
           </a:p>
         </p:txBody>
       </p:sp>
@@ -5170,129 +5717,140 @@
         <p:spPr>
           <a:xfrm>
             <a:off x="479376" y="1249244"/>
-            <a:ext cx="5518800" cy="5151600"/>
+            <a:ext cx="5785800" cy="5276100"/>
           </a:xfrm>
         </p:spPr>
         <p:txBody>
           <a:bodyPr>
-            <a:normAutofit fontScale="92500" lnSpcReduction="20000"/>
+            <a:normAutofit/>
           </a:bodyPr>
           <a:lstStyle/>
           <a:p>
             <a:r>
-              <a:rPr lang="de-DE" b="1" dirty="0" smtClean="0"/>
+              <a:rPr lang="de-DE" sz="1400" b="1" dirty="0" smtClean="0"/>
               <a:t>Management:</a:t>
             </a:r>
           </a:p>
           <a:p>
             <a:pPr lvl="1"/>
             <a:r>
+              <a:rPr lang="de-DE" sz="1400" dirty="0" smtClean="0"/>
+              <a:t>Softwaremodul-Management und Laufzeitumgebung auf Fahrzeugsteuergeräten</a:t>
+            </a:r>
+          </a:p>
+          <a:p>
+            <a:pPr lvl="1"/>
+            <a:r>
+              <a:rPr lang="de-DE" sz="1400" dirty="0" smtClean="0"/>
+              <a:t>Zentrale Verwaltungsinstanz</a:t>
+            </a:r>
+          </a:p>
+          <a:p>
+            <a:pPr lvl="1"/>
+            <a:r>
+              <a:rPr lang="de-DE" sz="1400" dirty="0" smtClean="0"/>
+              <a:t>Informationen über die Steuergeräte sammeln</a:t>
+            </a:r>
+          </a:p>
+          <a:p>
+            <a:pPr lvl="1"/>
+            <a:r>
+              <a:rPr lang="de-DE" sz="1400" dirty="0" smtClean="0"/>
+              <a:t>Interface für die Benutzung anbieten</a:t>
+            </a:r>
+          </a:p>
+          <a:p>
+            <a:pPr lvl="1"/>
+            <a:endParaRPr lang="de-DE" sz="1400" dirty="0"/>
+          </a:p>
+          <a:p>
+            <a:r>
+              <a:rPr lang="de-DE" sz="1400" b="1" dirty="0" smtClean="0"/>
+              <a:t>Sicherheit:</a:t>
+            </a:r>
+          </a:p>
+          <a:p>
+            <a:pPr lvl="1"/>
+            <a:r>
+              <a:rPr lang="de-DE" sz="1400" dirty="0" smtClean="0"/>
+              <a:t>Isolierung von Applikationen vom Betriebssystem</a:t>
+            </a:r>
+          </a:p>
+          <a:p>
+            <a:pPr lvl="1"/>
+            <a:r>
+              <a:rPr lang="de-DE" sz="1400" dirty="0" smtClean="0"/>
+              <a:t>Isolierung von Applikationen im Netzwerk</a:t>
+            </a:r>
+          </a:p>
+          <a:p>
+            <a:pPr lvl="1"/>
+            <a:r>
+              <a:rPr lang="de-DE" sz="1400" dirty="0" smtClean="0"/>
+              <a:t>Absicherung der Kommunikation (Verschlüsselung)</a:t>
+            </a:r>
+          </a:p>
+          <a:p>
+            <a:pPr lvl="1"/>
+            <a:endParaRPr lang="de-DE" sz="1400" dirty="0" smtClean="0"/>
+          </a:p>
+          <a:p>
+            <a:r>
+              <a:rPr lang="de-DE" sz="1400" b="1" dirty="0" smtClean="0"/>
+              <a:t>Kommunikation:</a:t>
+            </a:r>
+            <a:endParaRPr lang="de-DE" sz="1400" b="1" dirty="0"/>
+          </a:p>
+          <a:p>
+            <a:pPr lvl="1"/>
+            <a:r>
+              <a:rPr lang="de-DE" sz="1400" dirty="0"/>
+              <a:t>Entdeckung von neuen Teilnehmer</a:t>
+            </a:r>
+          </a:p>
+          <a:p>
+            <a:pPr lvl="1"/>
+            <a:r>
+              <a:rPr lang="de-DE" sz="1400" dirty="0"/>
+              <a:t>Erkennung von nicht mehr verfügbaren Teilnehmern</a:t>
+            </a:r>
+          </a:p>
+          <a:p>
+            <a:pPr lvl="1"/>
+            <a:r>
+              <a:rPr lang="de-DE" sz="1400" dirty="0"/>
+              <a:t>Kommunikationsmöglichkeit für die Softwaremodule </a:t>
+            </a:r>
+            <a:r>
+              <a:rPr lang="de-DE" sz="1400" dirty="0" smtClean="0"/>
+              <a:t>bieten</a:t>
+            </a:r>
+            <a:endParaRPr lang="de-DE" dirty="0"/>
+          </a:p>
+          <a:p>
+            <a:endParaRPr lang="de-DE" dirty="0" smtClean="0"/>
+          </a:p>
+        </p:txBody>
+      </p:sp>
+      <p:sp>
+        <p:nvSpPr>
+          <p:cNvPr id="2" name="Titel 1"/>
+          <p:cNvSpPr>
+            <a:spLocks noGrp="1"/>
+          </p:cNvSpPr>
+          <p:nvPr>
+            <p:ph type="title"/>
+          </p:nvPr>
+        </p:nvSpPr>
+        <p:spPr/>
+        <p:txBody>
+          <a:bodyPr/>
+          <a:lstStyle/>
+          <a:p>
+            <a:r>
               <a:rPr lang="de-DE" dirty="0" smtClean="0"/>
-              <a:t>Softwaremodul-Management und Laufzeitumgebung auf Fahrzeugsteuergeräten</a:t>
-            </a:r>
-          </a:p>
-          <a:p>
-            <a:pPr lvl="1"/>
-            <a:r>
-              <a:rPr lang="de-DE" dirty="0" smtClean="0"/>
-              <a:t>Zentrale Verwaltungsinstanz</a:t>
-            </a:r>
-          </a:p>
-          <a:p>
-            <a:pPr lvl="1"/>
-            <a:r>
-              <a:rPr lang="de-DE" dirty="0" smtClean="0"/>
-              <a:t>Informationen über die Steuergeräte sammeln</a:t>
-            </a:r>
-          </a:p>
-          <a:p>
-            <a:pPr lvl="1"/>
-            <a:r>
-              <a:rPr lang="de-DE" dirty="0" smtClean="0"/>
-              <a:t>Interface für die Benutzung anbieten</a:t>
-            </a:r>
-          </a:p>
-          <a:p>
-            <a:pPr lvl="1"/>
-            <a:endParaRPr lang="de-DE" dirty="0"/>
-          </a:p>
-          <a:p>
-            <a:r>
-              <a:rPr lang="de-DE" b="1" dirty="0" smtClean="0"/>
-              <a:t>Sicherheit:</a:t>
-            </a:r>
-          </a:p>
-          <a:p>
-            <a:pPr lvl="1"/>
-            <a:r>
-              <a:rPr lang="de-DE" dirty="0" smtClean="0"/>
-              <a:t>Isolierung von Applikationen vom Betriebssystem</a:t>
-            </a:r>
-          </a:p>
-          <a:p>
-            <a:pPr lvl="1"/>
-            <a:r>
-              <a:rPr lang="de-DE" dirty="0" smtClean="0"/>
-              <a:t>Isolierung von Applikationen im Netzwerk</a:t>
-            </a:r>
-          </a:p>
-          <a:p>
-            <a:pPr lvl="1"/>
-            <a:r>
-              <a:rPr lang="de-DE" dirty="0" smtClean="0"/>
-              <a:t>Absicherung der Kommunikation (Verschlüsselung)</a:t>
-            </a:r>
-          </a:p>
-          <a:p>
-            <a:pPr lvl="1"/>
-            <a:endParaRPr lang="de-DE" dirty="0" smtClean="0"/>
-          </a:p>
-          <a:p>
-            <a:r>
-              <a:rPr lang="de-DE" b="1" dirty="0" smtClean="0"/>
-              <a:t>Kommunikation:</a:t>
-            </a:r>
-            <a:endParaRPr lang="de-DE" b="1" dirty="0"/>
-          </a:p>
-          <a:p>
-            <a:pPr lvl="1"/>
-            <a:r>
-              <a:rPr lang="de-DE" dirty="0"/>
-              <a:t>Entdeckung von neuen Teilnehmer</a:t>
-            </a:r>
-          </a:p>
-          <a:p>
-            <a:pPr lvl="1"/>
-            <a:r>
-              <a:rPr lang="de-DE" dirty="0"/>
-              <a:t>Erkennung von nicht mehr verfügbaren Teilnehmern</a:t>
-            </a:r>
-          </a:p>
-          <a:p>
-            <a:pPr lvl="1"/>
-            <a:r>
-              <a:rPr lang="de-DE" dirty="0"/>
-              <a:t>Kommunikationsmöglichkeit für die Softwaremodule bieten</a:t>
-            </a:r>
-          </a:p>
-          <a:p>
-            <a:pPr lvl="1"/>
-            <a:endParaRPr lang="de-DE" dirty="0"/>
-          </a:p>
-          <a:p>
-            <a:endParaRPr lang="de-DE" dirty="0" smtClean="0"/>
-          </a:p>
-          <a:p>
-            <a:pPr lvl="1"/>
-            <a:endParaRPr lang="de-DE" dirty="0"/>
-          </a:p>
-          <a:p>
-            <a:endParaRPr lang="de-DE" dirty="0" smtClean="0"/>
-          </a:p>
-          <a:p>
-            <a:pPr marL="0" indent="0">
-              <a:buNone/>
-            </a:pPr>
+              <a:t>Anforderungen und Anwendungsfälle</a:t>
+            </a:r>
             <a:endParaRPr lang="de-DE" dirty="0"/>
           </a:p>
         </p:txBody>
@@ -5315,7 +5873,7 @@
         </p:spPr>
         <p:txBody>
           <a:bodyPr>
-            <a:normAutofit fontScale="92500" lnSpcReduction="20000"/>
+            <a:normAutofit/>
           </a:bodyPr>
           <a:lstStyle/>
           <a:p>
@@ -5390,8 +5948,8 @@
         </p:nvGrpSpPr>
         <p:grpSpPr>
           <a:xfrm>
-            <a:off x="6489743" y="2528900"/>
-            <a:ext cx="5283162" cy="2592288"/>
+            <a:off x="6265176" y="3861047"/>
+            <a:ext cx="5283162" cy="2292347"/>
             <a:chOff x="7075230" y="1461984"/>
             <a:chExt cx="4294862" cy="1888547"/>
           </a:xfrm>
@@ -5671,50 +6229,58 @@
           </p:cxnSp>
         </p:grpSp>
       </p:grpSp>
-      <p:cxnSp>
-        <p:nvCxnSpPr>
-          <p:cNvPr id="14" name="Gerade Verbindung 61"/>
-          <p:cNvCxnSpPr/>
+      <p:sp>
+        <p:nvSpPr>
+          <p:cNvPr id="15" name="Pfeil nach rechts 14"/>
+          <p:cNvSpPr/>
           <p:nvPr/>
-        </p:nvCxnSpPr>
+        </p:nvSpPr>
         <p:spPr>
-          <a:xfrm flipH="1" flipV="1">
-            <a:off x="6142753" y="1412776"/>
-            <a:ext cx="30339" cy="4824536"/>
+          <a:xfrm>
+            <a:off x="6222043" y="2890155"/>
+            <a:ext cx="690601" cy="360040"/>
           </a:xfrm>
-          <a:prstGeom prst="line">
+          <a:prstGeom prst="rightArrow">
             <a:avLst/>
           </a:prstGeom>
-          <a:ln w="19050">
+          <a:solidFill>
+            <a:schemeClr val="accent3"/>
+          </a:solidFill>
+          <a:ln w="12700">
             <a:solidFill>
-              <a:schemeClr val="accent1">
-                <a:lumMod val="75000"/>
-              </a:schemeClr>
+              <a:schemeClr val="tx1"/>
             </a:solidFill>
           </a:ln>
-          <a:effectLst>
-            <a:outerShdw blurRad="50800" dist="38100" dir="2700000" algn="tl" rotWithShape="0">
-              <a:prstClr val="black">
-                <a:alpha val="40000"/>
-              </a:prstClr>
-            </a:outerShdw>
-          </a:effectLst>
         </p:spPr>
         <p:style>
-          <a:lnRef idx="1">
-            <a:schemeClr val="accent1"/>
+          <a:lnRef idx="2">
+            <a:schemeClr val="accent1">
+              <a:shade val="50000"/>
+            </a:schemeClr>
           </a:lnRef>
-          <a:fillRef idx="0">
+          <a:fillRef idx="1">
             <a:schemeClr val="accent1"/>
           </a:fillRef>
           <a:effectRef idx="0">
             <a:schemeClr val="accent1"/>
           </a:effectRef>
           <a:fontRef idx="minor">
-            <a:schemeClr val="tx1"/>
+            <a:schemeClr val="lt1"/>
           </a:fontRef>
         </p:style>
-      </p:cxnSp>
+        <p:txBody>
+          <a:bodyPr rtlCol="0" anchor="ctr"/>
+          <a:lstStyle/>
+          <a:p>
+            <a:pPr algn="ctr"/>
+            <a:endParaRPr lang="de-DE" dirty="0" err="1" smtClean="0">
+              <a:solidFill>
+                <a:schemeClr val="tx1"/>
+              </a:solidFill>
+            </a:endParaRPr>
+          </a:p>
+        </p:txBody>
+      </p:sp>
     </p:spTree>
     <p:extLst>
       <p:ext uri="{BB962C8B-B14F-4D97-AF65-F5344CB8AC3E}">
@@ -5725,10 +6291,17 @@
   <p:clrMapOvr>
     <a:masterClrMapping/>
   </p:clrMapOvr>
+  <p:timing>
+    <p:tnLst>
+      <p:par>
+        <p:cTn id="1" dur="indefinite" restart="never" nodeType="tmRoot"/>
+      </p:par>
+    </p:tnLst>
+  </p:timing>
 </p:sld>
 </file>
 
-<file path=ppt/slides/slide11.xml><?xml version="1.0" encoding="utf-8"?>
+<file path=ppt/slides/slide12.xml><?xml version="1.0" encoding="utf-8"?>
 <p:sld xmlns:a="http://schemas.openxmlformats.org/drawingml/2006/main" xmlns:r="http://schemas.openxmlformats.org/officeDocument/2006/relationships" xmlns:p="http://schemas.openxmlformats.org/presentationml/2006/main">
   <p:cSld>
     <p:spTree>
@@ -5785,7 +6358,7 @@
         </p:spPr>
         <p:txBody>
           <a:bodyPr>
-            <a:normAutofit lnSpcReduction="10000"/>
+            <a:normAutofit/>
           </a:bodyPr>
           <a:lstStyle/>
           <a:p>
@@ -5800,40 +6373,42 @@
           <a:p>
             <a:r>
               <a:rPr lang="de-DE" dirty="0"/>
-              <a:t>Digitaler Zwilling: Dienste können auf parkende Fahrzeuge ebenfalls ausgelagert werden</a:t>
+              <a:t>Digitaler Zwilling: Dienste können auf parkende Fahrzeuge ebenfalls ausgelagert </a:t>
+            </a:r>
+            <a:r>
+              <a:rPr lang="de-DE" dirty="0" smtClean="0"/>
+              <a:t>werden</a:t>
             </a:r>
           </a:p>
           <a:p>
             <a:pPr lvl="1"/>
             <a:r>
-              <a:rPr lang="de-DE" dirty="0"/>
-              <a:t>Aktuell wird in Cloud </a:t>
-            </a:r>
-            <a:r>
               <a:rPr lang="de-DE" dirty="0" smtClean="0"/>
-              <a:t>Server </a:t>
-            </a:r>
-            <a:r>
-              <a:rPr lang="de-DE" dirty="0"/>
-              <a:t>ausgelagert</a:t>
-            </a:r>
+              <a:t>Aktuel</a:t>
+            </a:r>
+            <a:r>
+              <a:rPr lang="de-DE" dirty="0" smtClean="0"/>
+              <a:t>l wird Auslagerung in Cloud und Smart Infrastructure betrachtet</a:t>
+            </a:r>
+            <a:endParaRPr lang="de-DE" dirty="0"/>
           </a:p>
           <a:p>
             <a:pPr lvl="1"/>
             <a:r>
-              <a:rPr lang="de-DE" dirty="0"/>
-              <a:t>Zusätzlich wird Smart Infrastructure </a:t>
-            </a:r>
-            <a:r>
               <a:rPr lang="de-DE" dirty="0" smtClean="0"/>
-              <a:t>betrachtet</a:t>
-            </a:r>
-          </a:p>
-          <a:p>
-            <a:pPr lvl="1"/>
+              <a:t>Parkende </a:t>
+            </a:r>
             <a:r>
               <a:rPr lang="de-DE" dirty="0" smtClean="0"/>
-              <a:t>Parkende Fahrzeuge werden aktuell nicht betrachtet</a:t>
+              <a:t>Fahrzeuge werden aktuell </a:t>
+            </a:r>
+            <a:r>
+              <a:rPr lang="de-DE" smtClean="0"/>
+              <a:t>nicht </a:t>
+            </a:r>
+            <a:r>
+              <a:rPr lang="de-DE" smtClean="0"/>
+              <a:t>berücksichtigt</a:t>
             </a:r>
             <a:endParaRPr lang="de-DE" dirty="0"/>
           </a:p>
@@ -6762,10 +7337,17 @@
   <p:clrMapOvr>
     <a:masterClrMapping/>
   </p:clrMapOvr>
+  <p:timing>
+    <p:tnLst>
+      <p:par>
+        <p:cTn id="1" dur="indefinite" restart="never" nodeType="tmRoot"/>
+      </p:par>
+    </p:tnLst>
+  </p:timing>
 </p:sld>
 </file>
 
-<file path=ppt/slides/slide12.xml><?xml version="1.0" encoding="utf-8"?>
+<file path=ppt/slides/slide13.xml><?xml version="1.0" encoding="utf-8"?>
 <p:sld xmlns:a="http://schemas.openxmlformats.org/drawingml/2006/main" xmlns:r="http://schemas.openxmlformats.org/officeDocument/2006/relationships" xmlns:p="http://schemas.openxmlformats.org/presentationml/2006/main">
   <p:cSld>
     <p:spTree>
@@ -7089,7 +7671,7 @@
 </p:sld>
 </file>
 
-<file path=ppt/slides/slide13.xml><?xml version="1.0" encoding="utf-8"?>
+<file path=ppt/slides/slide14.xml><?xml version="1.0" encoding="utf-8"?>
 <p:sld xmlns:a="http://schemas.openxmlformats.org/drawingml/2006/main" xmlns:r="http://schemas.openxmlformats.org/officeDocument/2006/relationships" xmlns:p="http://schemas.openxmlformats.org/presentationml/2006/main">
   <p:cSld>
     <p:spTree>
@@ -7186,8 +7768,8 @@
         </p:nvSpPr>
         <p:spPr>
           <a:xfrm>
-            <a:off x="558508" y="1335067"/>
-            <a:ext cx="5064271" cy="1754326"/>
+            <a:off x="443724" y="1277475"/>
+            <a:ext cx="6769802" cy="1477328"/>
           </a:xfrm>
           <a:prstGeom prst="rect">
             <a:avLst/>
@@ -7206,18 +7788,8 @@
             </a:pPr>
             <a:r>
               <a:rPr lang="de-DE" dirty="0" smtClean="0"/>
-              <a:t>Zentrale Verwaltung durch </a:t>
-            </a:r>
-            <a:r>
-              <a:rPr lang="de-DE" dirty="0" err="1" smtClean="0"/>
-              <a:t>Runtime</a:t>
-            </a:r>
-            <a:r>
-              <a:rPr lang="de-DE" dirty="0" smtClean="0"/>
-              <a:t> Manager</a:t>
-            </a:r>
-          </a:p>
-          <a:p>
+              <a:t>Architektur orientiert sich an Container Management Systeme</a:t>
+            </a:r>
             <a:endParaRPr lang="de-DE" dirty="0" smtClean="0"/>
           </a:p>
           <a:p>
@@ -7226,19 +7798,40 @@
               <a:buChar char="•"/>
             </a:pPr>
             <a:r>
-              <a:rPr lang="de-DE" dirty="0"/>
-              <a:t>Nodes laufen in </a:t>
-            </a:r>
-            <a:r>
               <a:rPr lang="de-DE" dirty="0" smtClean="0"/>
-              <a:t>Fahrzeugsteuergeräten</a:t>
-            </a:r>
+              <a:t>Zentrale </a:t>
+            </a:r>
+            <a:r>
+              <a:rPr lang="de-DE" dirty="0" smtClean="0"/>
+              <a:t>Verwaltung durch </a:t>
+            </a:r>
+            <a:r>
+              <a:rPr lang="de-DE" dirty="0" err="1" smtClean="0"/>
+              <a:t>Runtime</a:t>
+            </a:r>
+            <a:r>
+              <a:rPr lang="de-DE" dirty="0" smtClean="0"/>
+              <a:t> </a:t>
+            </a:r>
+            <a:r>
+              <a:rPr lang="de-DE" dirty="0" smtClean="0"/>
+              <a:t>Manager</a:t>
+            </a:r>
+            <a:endParaRPr lang="de-DE" dirty="0" smtClean="0"/>
           </a:p>
           <a:p>
             <a:pPr marL="285750" indent="-285750">
               <a:buFont typeface="Arial" panose="020B0604020202020204" pitchFamily="34" charset="0"/>
               <a:buChar char="•"/>
             </a:pPr>
+            <a:r>
+              <a:rPr lang="de-DE" dirty="0"/>
+              <a:t>Nodes laufen in </a:t>
+            </a:r>
+            <a:r>
+              <a:rPr lang="de-DE" dirty="0" smtClean="0"/>
+              <a:t>Fahrzeugsteuergeräten</a:t>
+            </a:r>
             <a:endParaRPr lang="de-DE" dirty="0"/>
           </a:p>
           <a:p>
@@ -7723,9 +8316,9 @@
                   <p:grpSpPr>
                     <a:xfrm>
                       <a:off x="6801698" y="1148709"/>
-                      <a:ext cx="1815139" cy="290955"/>
+                      <a:ext cx="1730742" cy="290955"/>
                       <a:chOff x="895750" y="1768496"/>
-                      <a:chExt cx="1557271" cy="280844"/>
+                      <a:chExt cx="1484864" cy="280844"/>
                     </a:xfrm>
                   </p:grpSpPr>
                   <p:sp>
@@ -7785,7 +8378,7 @@
                     <p:spPr>
                       <a:xfrm>
                         <a:off x="895750" y="1768496"/>
-                        <a:ext cx="1557271" cy="270415"/>
+                        <a:ext cx="1466513" cy="270414"/>
                       </a:xfrm>
                       <a:prstGeom prst="rect">
                         <a:avLst/>
@@ -7800,7 +8393,15 @@
                       <a:p>
                         <a:r>
                           <a:rPr lang="de-DE" sz="1000" dirty="0" smtClean="0"/>
-                          <a:t>Container Environment 1</a:t>
+                          <a:t>Container </a:t>
+                        </a:r>
+                        <a:r>
+                          <a:rPr lang="de-DE" sz="1000" dirty="0" smtClean="0"/>
+                          <a:t>Umgebung </a:t>
+                        </a:r>
+                        <a:r>
+                          <a:rPr lang="de-DE" sz="1000" dirty="0" smtClean="0"/>
+                          <a:t>1</a:t>
                         </a:r>
                         <a:endParaRPr lang="de-DE" sz="1000" dirty="0"/>
                       </a:p>
@@ -7816,9 +8417,9 @@
                   <p:grpSpPr>
                     <a:xfrm>
                       <a:off x="6791594" y="1622366"/>
-                      <a:ext cx="1840674" cy="290242"/>
+                      <a:ext cx="1740847" cy="290242"/>
                       <a:chOff x="859942" y="1769184"/>
-                      <a:chExt cx="1579178" cy="280156"/>
+                      <a:chExt cx="1493533" cy="280156"/>
                     </a:xfrm>
                   </p:grpSpPr>
                   <p:sp>
@@ -7878,7 +8479,7 @@
                     <p:spPr>
                       <a:xfrm>
                         <a:off x="859942" y="1769184"/>
-                        <a:ext cx="1579178" cy="270415"/>
+                        <a:ext cx="1488420" cy="270414"/>
                       </a:xfrm>
                       <a:prstGeom prst="rect">
                         <a:avLst/>
@@ -7893,7 +8494,11 @@
                       <a:p>
                         <a:r>
                           <a:rPr lang="de-DE" sz="1000" dirty="0"/>
-                          <a:t>Container Environment </a:t>
+                          <a:t>Container </a:t>
+                        </a:r>
+                        <a:r>
+                          <a:rPr lang="de-DE" sz="1000" dirty="0" smtClean="0"/>
+                          <a:t>Umgebung </a:t>
                         </a:r>
                         <a:r>
                           <a:rPr lang="de-DE" sz="1000" dirty="0" smtClean="0"/>
@@ -8297,8 +8902,8 @@
                   </p:nvSpPr>
                   <p:spPr>
                     <a:xfrm>
-                      <a:off x="1373303" y="1215732"/>
-                      <a:ext cx="672756" cy="280150"/>
+                      <a:off x="1340790" y="1215732"/>
+                      <a:ext cx="737785" cy="280150"/>
                     </a:xfrm>
                     <a:prstGeom prst="rect">
                       <a:avLst/>
@@ -8314,7 +8919,7 @@
                       <a:pPr algn="ctr"/>
                       <a:r>
                         <a:rPr lang="de-DE" sz="1000" dirty="0" smtClean="0"/>
-                        <a:t>Database</a:t>
+                        <a:t>Datenbank</a:t>
                       </a:r>
                       <a:endParaRPr lang="de-DE" sz="1000" dirty="0"/>
                     </a:p>
@@ -8515,17 +9120,12 @@
                         <a:rPr lang="de-DE" sz="1200" dirty="0" smtClean="0"/>
                         <a:t>Kommunikations-</a:t>
                       </a:r>
-                      <a:endParaRPr lang="de-DE" sz="1200" dirty="0" smtClean="0"/>
                     </a:p>
                     <a:p>
                       <a:pPr algn="ctr"/>
                       <a:r>
                         <a:rPr lang="de-DE" sz="1200" dirty="0" err="1" smtClean="0"/>
-                        <a:t>i</a:t>
-                      </a:r>
-                      <a:r>
-                        <a:rPr lang="de-DE" sz="1200" dirty="0" err="1" smtClean="0"/>
-                        <a:t>nterface</a:t>
+                        <a:t>interface</a:t>
                       </a:r>
                       <a:endParaRPr lang="de-DE" sz="1200" dirty="0"/>
                     </a:p>
@@ -8540,10 +9140,10 @@
                 </p:nvGrpSpPr>
                 <p:grpSpPr>
                   <a:xfrm>
-                    <a:off x="1503157" y="2944080"/>
-                    <a:ext cx="1845097" cy="464154"/>
-                    <a:chOff x="1373482" y="1438757"/>
-                    <a:chExt cx="1845097" cy="464154"/>
+                    <a:off x="1499236" y="2937771"/>
+                    <a:ext cx="1847288" cy="455244"/>
+                    <a:chOff x="1369561" y="1432448"/>
+                    <a:chExt cx="1847288" cy="455244"/>
                   </a:xfrm>
                   <a:solidFill>
                     <a:srgbClr val="83ABFB"/>
@@ -8603,8 +9203,8 @@
                   </p:nvSpPr>
                   <p:spPr>
                     <a:xfrm>
-                      <a:off x="1403648" y="1441246"/>
-                      <a:ext cx="1814931" cy="461665"/>
+                      <a:off x="1369561" y="1432448"/>
+                      <a:ext cx="1847288" cy="455244"/>
                     </a:xfrm>
                     <a:prstGeom prst="rect">
                       <a:avLst/>
@@ -8631,7 +9231,7 @@
                       <a:pPr algn="ctr"/>
                       <a:r>
                         <a:rPr lang="de-DE" sz="1000" dirty="0" smtClean="0"/>
-                        <a:t>Communication Handler</a:t>
+                        <a:t>Kommunikationsmanager</a:t>
                       </a:r>
                       <a:endParaRPr lang="de-DE" sz="1000" dirty="0"/>
                     </a:p>
@@ -10003,7 +10603,7 @@
           <p:spPr>
             <a:xfrm>
               <a:off x="10035997" y="3806978"/>
-              <a:ext cx="1595309" cy="246221"/>
+              <a:ext cx="1502334" cy="246221"/>
             </a:xfrm>
             <a:prstGeom prst="rect">
               <a:avLst/>
@@ -10018,7 +10618,15 @@
             <a:p>
               <a:r>
                 <a:rPr lang="de-DE" sz="1000" dirty="0" smtClean="0"/>
-                <a:t>Container Environment 1</a:t>
+                <a:t>Container </a:t>
+              </a:r>
+              <a:r>
+                <a:rPr lang="de-DE" sz="1000" dirty="0"/>
+                <a:t>Umgebung </a:t>
+              </a:r>
+              <a:r>
+                <a:rPr lang="de-DE" sz="1000" dirty="0" smtClean="0"/>
+                <a:t>1</a:t>
               </a:r>
               <a:endParaRPr lang="de-DE" sz="1000" dirty="0"/>
             </a:p>
@@ -10033,7 +10641,7 @@
           <p:spPr>
             <a:xfrm>
               <a:off x="10027117" y="4223273"/>
-              <a:ext cx="1617751" cy="246222"/>
+              <a:ext cx="1524776" cy="246221"/>
             </a:xfrm>
             <a:prstGeom prst="rect">
               <a:avLst/>
@@ -10048,7 +10656,11 @@
             <a:p>
               <a:r>
                 <a:rPr lang="de-DE" sz="1000" dirty="0"/>
-                <a:t>Container Environment </a:t>
+                <a:t>Container </a:t>
+              </a:r>
+              <a:r>
+                <a:rPr lang="de-DE" sz="1000" dirty="0"/>
+                <a:t>Umgebung </a:t>
               </a:r>
               <a:r>
                 <a:rPr lang="de-DE" sz="1000" dirty="0" smtClean="0"/>
@@ -10067,7 +10679,7 @@
           <p:spPr>
             <a:xfrm>
               <a:off x="10052447" y="5644304"/>
-              <a:ext cx="1595309" cy="246221"/>
+              <a:ext cx="1502334" cy="246221"/>
             </a:xfrm>
             <a:prstGeom prst="rect">
               <a:avLst/>
@@ -10082,7 +10694,15 @@
             <a:p>
               <a:r>
                 <a:rPr lang="de-DE" sz="1000" dirty="0" smtClean="0"/>
-                <a:t>Container Environment 1</a:t>
+                <a:t>Container </a:t>
+              </a:r>
+              <a:r>
+                <a:rPr lang="de-DE" sz="1000" dirty="0"/>
+                <a:t>Umgebung </a:t>
+              </a:r>
+              <a:r>
+                <a:rPr lang="de-DE" sz="1000" dirty="0" smtClean="0"/>
+                <a:t>1</a:t>
               </a:r>
               <a:endParaRPr lang="de-DE" sz="1000" dirty="0"/>
             </a:p>
@@ -10097,7 +10717,7 @@
           <p:spPr>
             <a:xfrm>
               <a:off x="10043567" y="6060599"/>
-              <a:ext cx="1617751" cy="246222"/>
+              <a:ext cx="1524776" cy="246221"/>
             </a:xfrm>
             <a:prstGeom prst="rect">
               <a:avLst/>
@@ -10112,7 +10732,11 @@
             <a:p>
               <a:r>
                 <a:rPr lang="de-DE" sz="1000" dirty="0"/>
-                <a:t>Container Environment </a:t>
+                <a:t>Container </a:t>
+              </a:r>
+              <a:r>
+                <a:rPr lang="de-DE" sz="1000" dirty="0"/>
+                <a:t>Umgebung </a:t>
               </a:r>
               <a:r>
                 <a:rPr lang="de-DE" sz="1000" dirty="0" smtClean="0"/>
@@ -10131,8 +10755,8 @@
         </p:nvSpPr>
         <p:spPr>
           <a:xfrm>
-            <a:off x="558508" y="4863781"/>
-            <a:ext cx="6096000" cy="1477328"/>
+            <a:off x="548559" y="5212875"/>
+            <a:ext cx="6096000" cy="1200329"/>
           </a:xfrm>
           <a:prstGeom prst="rect">
             <a:avLst/>
@@ -10150,8 +10774,17 @@
             </a:pPr>
             <a:r>
               <a:rPr lang="de-DE" dirty="0"/>
-              <a:t>Softwarekomponenten können in die</a:t>
-            </a:r>
+              <a:t>Softwarekomponenten können in </a:t>
+            </a:r>
+            <a:r>
+              <a:rPr lang="de-DE" dirty="0"/>
+              <a:t>die Container platziert </a:t>
+            </a:r>
+            <a:r>
+              <a:rPr lang="de-DE" dirty="0" smtClean="0"/>
+              <a:t>werden</a:t>
+            </a:r>
+            <a:endParaRPr lang="de-DE" dirty="0"/>
           </a:p>
           <a:p>
             <a:pPr marL="285750" indent="-285750">
@@ -10159,25 +10792,12 @@
               <a:buChar char="•"/>
             </a:pPr>
             <a:r>
+              <a:rPr lang="de-DE" dirty="0" smtClean="0"/>
+              <a:t>Kommunikationsinterface </a:t>
+            </a:r>
+            <a:r>
               <a:rPr lang="de-DE" dirty="0"/>
-              <a:t>Container platziert werden</a:t>
-            </a:r>
-          </a:p>
-          <a:p>
-            <a:pPr marL="285750" indent="-285750">
-              <a:buFont typeface="Arial" panose="020B0604020202020204" pitchFamily="34" charset="0"/>
-              <a:buChar char="•"/>
-            </a:pPr>
-            <a:endParaRPr lang="de-DE" dirty="0"/>
-          </a:p>
-          <a:p>
-            <a:pPr marL="285750" indent="-285750">
-              <a:buFont typeface="Arial" panose="020B0604020202020204" pitchFamily="34" charset="0"/>
-              <a:buChar char="•"/>
-            </a:pPr>
-            <a:r>
-              <a:rPr lang="de-DE" dirty="0"/>
-              <a:t>Kommunikationsinterface modular </a:t>
+              <a:t>modular </a:t>
             </a:r>
           </a:p>
           <a:p>
@@ -10185,7 +10805,6 @@
               <a:rPr lang="de-DE" dirty="0"/>
               <a:t>     austauschbar</a:t>
             </a:r>
-            <a:endParaRPr lang="de-DE" dirty="0"/>
           </a:p>
         </p:txBody>
       </p:sp>
@@ -10199,10 +10818,17 @@
   <p:clrMapOvr>
     <a:masterClrMapping/>
   </p:clrMapOvr>
+  <p:timing>
+    <p:tnLst>
+      <p:par>
+        <p:cTn id="1" dur="indefinite" restart="never" nodeType="tmRoot"/>
+      </p:par>
+    </p:tnLst>
+  </p:timing>
 </p:sld>
 </file>
 
-<file path=ppt/slides/slide14.xml><?xml version="1.0" encoding="utf-8"?>
+<file path=ppt/slides/slide15.xml><?xml version="1.0" encoding="utf-8"?>
 <p:sld xmlns:a="http://schemas.openxmlformats.org/drawingml/2006/main" xmlns:r="http://schemas.openxmlformats.org/officeDocument/2006/relationships" xmlns:p="http://schemas.openxmlformats.org/presentationml/2006/main">
   <p:cSld>
     <p:spTree>
@@ -11410,10 +12036,17 @@
   <p:clrMapOvr>
     <a:masterClrMapping/>
   </p:clrMapOvr>
+  <p:timing>
+    <p:tnLst>
+      <p:par>
+        <p:cTn id="1" dur="indefinite" restart="never" nodeType="tmRoot"/>
+      </p:par>
+    </p:tnLst>
+  </p:timing>
 </p:sld>
 </file>
 
-<file path=ppt/slides/slide15.xml><?xml version="1.0" encoding="utf-8"?>
+<file path=ppt/slides/slide16.xml><?xml version="1.0" encoding="utf-8"?>
 <p:sld xmlns:a="http://schemas.openxmlformats.org/drawingml/2006/main" xmlns:r="http://schemas.openxmlformats.org/officeDocument/2006/relationships" xmlns:p="http://schemas.openxmlformats.org/presentationml/2006/main">
   <p:cSld>
     <p:spTree>
@@ -11737,7 +12370,7 @@
 </p:sld>
 </file>
 
-<file path=ppt/slides/slide16.xml><?xml version="1.0" encoding="utf-8"?>
+<file path=ppt/slides/slide17.xml><?xml version="1.0" encoding="utf-8"?>
 <p:sld xmlns:a="http://schemas.openxmlformats.org/drawingml/2006/main" xmlns:r="http://schemas.openxmlformats.org/officeDocument/2006/relationships" xmlns:p="http://schemas.openxmlformats.org/presentationml/2006/main">
   <p:cSld>
     <p:spTree>
@@ -11797,108 +12430,136 @@
           <a:lstStyle/>
           <a:p>
             <a:r>
-              <a:rPr lang="de-DE" dirty="0" smtClean="0"/>
+              <a:rPr lang="de-DE" sz="1600" dirty="0" smtClean="0"/>
               <a:t>Funktionale Implementierung für Container Manager „</a:t>
             </a:r>
             <a:r>
-              <a:rPr lang="de-DE" dirty="0" err="1" smtClean="0"/>
+              <a:rPr lang="de-DE" sz="1600" dirty="0" err="1" smtClean="0"/>
               <a:t>Runtime</a:t>
             </a:r>
             <a:r>
-              <a:rPr lang="de-DE" dirty="0" smtClean="0"/>
+              <a:rPr lang="de-DE" sz="1600" dirty="0" smtClean="0"/>
               <a:t> </a:t>
             </a:r>
             <a:r>
-              <a:rPr lang="de-DE" dirty="0" err="1" smtClean="0"/>
+              <a:rPr lang="de-DE" sz="1600" dirty="0" err="1" smtClean="0"/>
               <a:t>Node</a:t>
             </a:r>
             <a:r>
-              <a:rPr lang="de-DE" dirty="0" smtClean="0"/>
+              <a:rPr lang="de-DE" sz="1600" dirty="0" smtClean="0"/>
               <a:t>“:</a:t>
             </a:r>
           </a:p>
           <a:p>
             <a:pPr lvl="1"/>
             <a:r>
-              <a:rPr lang="de-DE" dirty="0" smtClean="0"/>
-              <a:t>Kann isolierte Laufzeitumgebungen erstellen (Container)</a:t>
-            </a:r>
+              <a:rPr lang="de-DE" sz="1600" dirty="0" smtClean="0"/>
+              <a:t>Kann isolierte Laufzeitumgebungen erstellen (Container</a:t>
+            </a:r>
+            <a:r>
+              <a:rPr lang="de-DE" sz="1600" dirty="0" smtClean="0"/>
+              <a:t>)</a:t>
+            </a:r>
+            <a:endParaRPr lang="de-DE" sz="1600" dirty="0" smtClean="0"/>
           </a:p>
           <a:p>
             <a:pPr lvl="1"/>
             <a:r>
-              <a:rPr lang="de-DE" dirty="0" smtClean="0"/>
-              <a:t>Kann für die Architektur kompilierte Programme ausführen</a:t>
-            </a:r>
-          </a:p>
-          <a:p>
-            <a:r>
-              <a:rPr lang="de-DE" dirty="0"/>
+              <a:rPr lang="de-DE" sz="1600" dirty="0" smtClean="0"/>
+              <a:t>Kann für die Architektur kompilierte Programme </a:t>
+            </a:r>
+            <a:r>
+              <a:rPr lang="de-DE" sz="1600" dirty="0" smtClean="0"/>
+              <a:t>vom </a:t>
+            </a:r>
+            <a:r>
+              <a:rPr lang="de-DE" sz="1600" dirty="0" err="1" smtClean="0"/>
+              <a:t>Runtime</a:t>
+            </a:r>
+            <a:r>
+              <a:rPr lang="de-DE" sz="1600" dirty="0" smtClean="0"/>
+              <a:t> Manager laden und ausführen</a:t>
+            </a:r>
+            <a:endParaRPr lang="de-DE" sz="1600" dirty="0" smtClean="0"/>
+          </a:p>
+          <a:p>
+            <a:pPr lvl="1"/>
+            <a:endParaRPr lang="de-DE" sz="1600" dirty="0"/>
+          </a:p>
+          <a:p>
+            <a:pPr marL="360000" lvl="1" indent="0">
+              <a:buNone/>
+            </a:pPr>
+            <a:endParaRPr lang="de-DE" sz="1600" dirty="0" smtClean="0"/>
+          </a:p>
+          <a:p>
+            <a:r>
+              <a:rPr lang="de-DE" sz="1600" dirty="0"/>
               <a:t>F</a:t>
             </a:r>
             <a:r>
-              <a:rPr lang="de-DE" dirty="0" smtClean="0"/>
+              <a:rPr lang="de-DE" sz="1600" dirty="0" smtClean="0"/>
               <a:t>unktionale Implementierung für „</a:t>
             </a:r>
             <a:r>
-              <a:rPr lang="de-DE" dirty="0" err="1" smtClean="0"/>
+              <a:rPr lang="de-DE" sz="1600" dirty="0" err="1" smtClean="0"/>
               <a:t>Runtime</a:t>
             </a:r>
             <a:r>
-              <a:rPr lang="de-DE" dirty="0" smtClean="0"/>
+              <a:rPr lang="de-DE" sz="1600" dirty="0" smtClean="0"/>
               <a:t> Manager“:</a:t>
             </a:r>
           </a:p>
           <a:p>
             <a:pPr lvl="1"/>
             <a:r>
-              <a:rPr lang="de-DE" dirty="0" smtClean="0"/>
+              <a:rPr lang="de-DE" sz="1600" dirty="0" smtClean="0"/>
               <a:t>Erkennt „</a:t>
             </a:r>
             <a:r>
-              <a:rPr lang="de-DE" dirty="0" err="1" smtClean="0"/>
+              <a:rPr lang="de-DE" sz="1600" dirty="0" err="1" smtClean="0"/>
               <a:t>Runtime</a:t>
             </a:r>
             <a:r>
-              <a:rPr lang="de-DE" dirty="0" smtClean="0"/>
+              <a:rPr lang="de-DE" sz="1600" dirty="0" smtClean="0"/>
               <a:t> Nodes“ im </a:t>
             </a:r>
             <a:r>
-              <a:rPr lang="de-DE" dirty="0" err="1" smtClean="0"/>
+              <a:rPr lang="de-DE" sz="1600" dirty="0" err="1" smtClean="0"/>
               <a:t>netzwerk</a:t>
             </a:r>
             <a:r>
-              <a:rPr lang="de-DE" dirty="0" smtClean="0"/>
+              <a:rPr lang="de-DE" sz="1600" dirty="0" smtClean="0"/>
               <a:t> und erfasst deren Zustand</a:t>
             </a:r>
           </a:p>
           <a:p>
             <a:pPr lvl="1"/>
             <a:r>
-              <a:rPr lang="de-DE" dirty="0" smtClean="0"/>
+              <a:rPr lang="de-DE" sz="1600" dirty="0" smtClean="0"/>
               <a:t>Kann Container auf „</a:t>
             </a:r>
             <a:r>
-              <a:rPr lang="de-DE" dirty="0" err="1" smtClean="0"/>
+              <a:rPr lang="de-DE" sz="1600" dirty="0" err="1" smtClean="0"/>
               <a:t>Runtime</a:t>
             </a:r>
             <a:r>
-              <a:rPr lang="de-DE" dirty="0" smtClean="0"/>
+              <a:rPr lang="de-DE" sz="1600" dirty="0" smtClean="0"/>
               <a:t> Nodes“ verwalten</a:t>
             </a:r>
           </a:p>
           <a:p>
             <a:pPr lvl="1"/>
             <a:r>
-              <a:rPr lang="de-DE" dirty="0" smtClean="0"/>
+              <a:rPr lang="de-DE" sz="1600" dirty="0" smtClean="0"/>
               <a:t>Kann Programme auf die „</a:t>
             </a:r>
             <a:r>
-              <a:rPr lang="de-DE" dirty="0" err="1" smtClean="0"/>
+              <a:rPr lang="de-DE" sz="1600" dirty="0" err="1" smtClean="0"/>
               <a:t>Runtime</a:t>
             </a:r>
             <a:r>
-              <a:rPr lang="de-DE" dirty="0" smtClean="0"/>
+              <a:rPr lang="de-DE" sz="1600" dirty="0" smtClean="0"/>
               <a:t> Nodes“ kopieren</a:t>
             </a:r>
           </a:p>
@@ -11999,10 +12660,17 @@
   <p:clrMapOvr>
     <a:masterClrMapping/>
   </p:clrMapOvr>
+  <p:timing>
+    <p:tnLst>
+      <p:par>
+        <p:cTn id="1" dur="indefinite" restart="never" nodeType="tmRoot"/>
+      </p:par>
+    </p:tnLst>
+  </p:timing>
 </p:sld>
 </file>
 
-<file path=ppt/slides/slide17.xml><?xml version="1.0" encoding="utf-8"?>
+<file path=ppt/slides/slide18.xml><?xml version="1.0" encoding="utf-8"?>
 <p:sld xmlns:a="http://schemas.openxmlformats.org/drawingml/2006/main" xmlns:r="http://schemas.openxmlformats.org/officeDocument/2006/relationships" xmlns:p="http://schemas.openxmlformats.org/presentationml/2006/main">
   <p:cSld>
     <p:spTree>
@@ -12302,7 +12970,7 @@
         <p:spPr>
           <a:xfrm>
             <a:off x="1180330" y="3198805"/>
-            <a:ext cx="3856043" cy="1954381"/>
+            <a:ext cx="3856043" cy="2636619"/>
           </a:xfrm>
           <a:prstGeom prst="rect">
             <a:avLst/>
@@ -12334,6 +13002,57 @@
               <a:rPr lang="de-DE" sz="1200" dirty="0" smtClean="0"/>
               <a:t>Erprobung des digitalen Zwillings mit der Applikation </a:t>
             </a:r>
+            <a:endParaRPr lang="de-DE" sz="1200" dirty="0" smtClean="0"/>
+          </a:p>
+          <a:p>
+            <a:pPr marL="280988" lvl="1" indent="-279400" defTabSz="900113" fontAlgn="base">
+              <a:spcBef>
+                <a:spcPts val="500"/>
+              </a:spcBef>
+              <a:spcAft>
+                <a:spcPct val="0"/>
+              </a:spcAft>
+              <a:buClr>
+                <a:srgbClr val="000000"/>
+              </a:buClr>
+              <a:buFont typeface="Wingdings" panose="05000000000000000000" pitchFamily="2" charset="2"/>
+              <a:buChar char="§"/>
+              <a:tabLst>
+                <a:tab pos="1085850" algn="l"/>
+              </a:tabLst>
+            </a:pPr>
+            <a:endParaRPr lang="de-DE" sz="1200" dirty="0"/>
+          </a:p>
+          <a:p>
+            <a:pPr marL="280988" lvl="1" indent="-279400" defTabSz="900113" fontAlgn="base">
+              <a:spcBef>
+                <a:spcPts val="500"/>
+              </a:spcBef>
+              <a:spcAft>
+                <a:spcPct val="0"/>
+              </a:spcAft>
+              <a:buClr>
+                <a:srgbClr val="000000"/>
+              </a:buClr>
+              <a:buFont typeface="Wingdings" panose="05000000000000000000" pitchFamily="2" charset="2"/>
+              <a:buChar char="§"/>
+              <a:tabLst>
+                <a:tab pos="1085850" algn="l"/>
+              </a:tabLst>
+            </a:pPr>
+            <a:r>
+              <a:rPr lang="de-DE" sz="1200" dirty="0" smtClean="0"/>
+              <a:t>Laufzeitumgebung auch über </a:t>
+            </a:r>
+            <a:r>
+              <a:rPr lang="de-DE" sz="1200" dirty="0" err="1" smtClean="0"/>
+              <a:t>Runtime</a:t>
+            </a:r>
+            <a:r>
+              <a:rPr lang="de-DE" sz="1200" dirty="0" smtClean="0"/>
+              <a:t> Manager übertragbar</a:t>
+            </a:r>
+            <a:endParaRPr lang="de-DE" sz="1200" dirty="0" smtClean="0"/>
           </a:p>
           <a:p>
             <a:pPr marL="280988" lvl="1" indent="-279400" defTabSz="900113" fontAlgn="base">
@@ -13230,7 +13949,7 @@
 </p:sld>
 </file>
 
-<file path=ppt/slides/slide18.xml><?xml version="1.0" encoding="utf-8"?>
+<file path=ppt/slides/slide19.xml><?xml version="1.0" encoding="utf-8"?>
 <p:sld xmlns:a="http://schemas.openxmlformats.org/drawingml/2006/main" xmlns:r="http://schemas.openxmlformats.org/officeDocument/2006/relationships" xmlns:p="http://schemas.openxmlformats.org/presentationml/2006/main">
   <p:cSld>
     <p:spTree>
@@ -13548,272 +14267,6 @@
             </p:seq>
           </p:childTnLst>
         </p:cTn>
-      </p:par>
-    </p:tnLst>
-  </p:timing>
-</p:sld>
-</file>
-
-<file path=ppt/slides/slide19.xml><?xml version="1.0" encoding="utf-8"?>
-<p:sld xmlns:a="http://schemas.openxmlformats.org/drawingml/2006/main" xmlns:r="http://schemas.openxmlformats.org/officeDocument/2006/relationships" xmlns:p="http://schemas.openxmlformats.org/presentationml/2006/main">
-  <p:cSld>
-    <p:spTree>
-      <p:nvGrpSpPr>
-        <p:cNvPr id="1" name=""/>
-        <p:cNvGrpSpPr/>
-        <p:nvPr/>
-      </p:nvGrpSpPr>
-      <p:grpSpPr>
-        <a:xfrm>
-          <a:off x="0" y="0"/>
-          <a:ext cx="0" cy="0"/>
-          <a:chOff x="0" y="0"/>
-          <a:chExt cx="0" cy="0"/>
-        </a:xfrm>
-      </p:grpSpPr>
-      <p:pic>
-        <p:nvPicPr>
-          <p:cNvPr id="2" name="Grafik 1"/>
-          <p:cNvPicPr>
-            <a:picLocks noChangeAspect="1"/>
-          </p:cNvPicPr>
-          <p:nvPr/>
-        </p:nvPicPr>
-        <p:blipFill>
-          <a:blip r:embed="rId2" cstate="print">
-            <a:extLst>
-              <a:ext uri="{28A0092B-C50C-407E-A947-70E740481C1C}">
-                <a14:useLocalDpi xmlns:a14="http://schemas.microsoft.com/office/drawing/2010/main" val="0"/>
-              </a:ext>
-            </a:extLst>
-          </a:blip>
-          <a:stretch>
-            <a:fillRect/>
-          </a:stretch>
-        </p:blipFill>
-        <p:spPr>
-          <a:xfrm>
-            <a:off x="6114702" y="2423643"/>
-            <a:ext cx="5430252" cy="3600400"/>
-          </a:xfrm>
-          <a:prstGeom prst="rect">
-            <a:avLst/>
-          </a:prstGeom>
-        </p:spPr>
-      </p:pic>
-      <p:sp>
-        <p:nvSpPr>
-          <p:cNvPr id="3" name="Titel 1">
-            <a:extLst>
-              <a:ext uri="{FF2B5EF4-FFF2-40B4-BE49-F238E27FC236}">
-                <a16:creationId xmlns:a16="http://schemas.microsoft.com/office/drawing/2014/main" id="{984877DB-B5BF-4F3C-B87A-D24EF7B31977}"/>
-              </a:ext>
-            </a:extLst>
-          </p:cNvPr>
-          <p:cNvSpPr>
-            <a:spLocks noGrp="1"/>
-          </p:cNvSpPr>
-          <p:nvPr>
-            <p:ph type="title"/>
-          </p:nvPr>
-        </p:nvSpPr>
-        <p:spPr>
-          <a:xfrm>
-            <a:off x="334799" y="190800"/>
-            <a:ext cx="8784000" cy="576000"/>
-          </a:xfrm>
-        </p:spPr>
-        <p:txBody>
-          <a:bodyPr/>
-          <a:lstStyle/>
-          <a:p>
-            <a:r>
-              <a:rPr lang="de-DE" dirty="0"/>
-              <a:t>Finanzierung</a:t>
-            </a:r>
-            <a:endParaRPr lang="LID4096" dirty="0"/>
-          </a:p>
-        </p:txBody>
-      </p:sp>
-      <p:sp>
-        <p:nvSpPr>
-          <p:cNvPr id="4" name="Inhaltsplatzhalter 2">
-            <a:extLst>
-              <a:ext uri="{FF2B5EF4-FFF2-40B4-BE49-F238E27FC236}">
-                <a16:creationId xmlns:a16="http://schemas.microsoft.com/office/drawing/2014/main" id="{775BB226-6F2A-4AA3-9418-BBC5909B2B04}"/>
-              </a:ext>
-            </a:extLst>
-          </p:cNvPr>
-          <p:cNvSpPr>
-            <a:spLocks noGrp="1"/>
-          </p:cNvSpPr>
-          <p:nvPr>
-            <p:ph idx="1"/>
-          </p:nvPr>
-        </p:nvSpPr>
-        <p:spPr>
-          <a:xfrm>
-            <a:off x="551384" y="1321975"/>
-            <a:ext cx="6553289" cy="4934129"/>
-          </a:xfrm>
-        </p:spPr>
-        <p:txBody>
-          <a:bodyPr/>
-          <a:lstStyle/>
-          <a:p>
-            <a:pPr marL="0" indent="0">
-              <a:buNone/>
-            </a:pPr>
-            <a:r>
-              <a:rPr lang="de-DE" b="1" dirty="0" err="1"/>
-              <a:t>AUTOtech.agil</a:t>
-            </a:r>
-            <a:endParaRPr lang="de-DE" b="1" dirty="0"/>
-          </a:p>
-          <a:p>
-            <a:endParaRPr lang="de-DE" dirty="0"/>
-          </a:p>
-          <a:p>
-            <a:pPr marL="0" indent="0">
-              <a:buNone/>
-            </a:pPr>
-            <a:r>
-              <a:rPr lang="de-DE" dirty="0"/>
-              <a:t>AP 2.1.7 Plattformkomponente zur Nutzung von Fahrzeugrechner-Ressourcen für internes und externes verteiltes </a:t>
-            </a:r>
-            <a:r>
-              <a:rPr lang="de-DE" dirty="0" smtClean="0"/>
-              <a:t>Rechnen (20 PM):</a:t>
-            </a:r>
-            <a:endParaRPr lang="de-DE" dirty="0"/>
-          </a:p>
-          <a:p>
-            <a:pPr marL="0" indent="0">
-              <a:buNone/>
-            </a:pPr>
-            <a:endParaRPr lang="de-DE" dirty="0"/>
-          </a:p>
-          <a:p>
-            <a:r>
-              <a:rPr lang="de-DE" dirty="0"/>
-              <a:t>Konzeptentwurf für Rechenressourcennutzung auf Fahrzeugen sowie in der Cloud</a:t>
-            </a:r>
-          </a:p>
-          <a:p>
-            <a:pPr marL="0" indent="0">
-              <a:buNone/>
-            </a:pPr>
-            <a:endParaRPr lang="de-DE" dirty="0"/>
-          </a:p>
-          <a:p>
-            <a:r>
-              <a:rPr lang="de-DE" dirty="0"/>
-              <a:t>Implementierung von Applikationen, welche Rechenressourcennutzung ermöglichen</a:t>
-            </a:r>
-          </a:p>
-          <a:p>
-            <a:pPr marL="0" indent="0">
-              <a:buNone/>
-            </a:pPr>
-            <a:endParaRPr lang="de-DE" dirty="0"/>
-          </a:p>
-          <a:p>
-            <a:r>
-              <a:rPr lang="de-DE" dirty="0"/>
-              <a:t>Erarbeitung von Sicherheitsmaßnahmen</a:t>
-            </a:r>
-            <a:endParaRPr lang="LID4096" dirty="0"/>
-          </a:p>
-        </p:txBody>
-      </p:sp>
-      <p:sp>
-        <p:nvSpPr>
-          <p:cNvPr id="5" name="Rechteck 4"/>
-          <p:cNvSpPr/>
-          <p:nvPr/>
-        </p:nvSpPr>
-        <p:spPr>
-          <a:xfrm>
-            <a:off x="334799" y="1052736"/>
-            <a:ext cx="11601455" cy="5544616"/>
-          </a:xfrm>
-          <a:prstGeom prst="rect">
-            <a:avLst/>
-          </a:prstGeom>
-          <a:noFill/>
-          <a:ln w="12700">
-            <a:solidFill>
-              <a:schemeClr val="tx1"/>
-            </a:solidFill>
-          </a:ln>
-        </p:spPr>
-        <p:style>
-          <a:lnRef idx="2">
-            <a:schemeClr val="accent1">
-              <a:shade val="50000"/>
-            </a:schemeClr>
-          </a:lnRef>
-          <a:fillRef idx="1">
-            <a:schemeClr val="accent1"/>
-          </a:fillRef>
-          <a:effectRef idx="0">
-            <a:schemeClr val="accent1"/>
-          </a:effectRef>
-          <a:fontRef idx="minor">
-            <a:schemeClr val="lt1"/>
-          </a:fontRef>
-        </p:style>
-        <p:txBody>
-          <a:bodyPr rtlCol="0" anchor="ctr"/>
-          <a:lstStyle/>
-          <a:p>
-            <a:pPr algn="ctr"/>
-            <a:endParaRPr lang="de-DE" dirty="0" err="1">
-              <a:solidFill>
-                <a:schemeClr val="tx1"/>
-              </a:solidFill>
-            </a:endParaRPr>
-          </a:p>
-        </p:txBody>
-      </p:sp>
-      <p:pic>
-        <p:nvPicPr>
-          <p:cNvPr id="6" name="Grafik 5"/>
-          <p:cNvPicPr>
-            <a:picLocks noChangeAspect="1"/>
-          </p:cNvPicPr>
-          <p:nvPr/>
-        </p:nvPicPr>
-        <p:blipFill>
-          <a:blip r:embed="rId3"/>
-          <a:stretch>
-            <a:fillRect/>
-          </a:stretch>
-        </p:blipFill>
-        <p:spPr>
-          <a:xfrm>
-            <a:off x="8112224" y="1156411"/>
-            <a:ext cx="3486036" cy="1119326"/>
-          </a:xfrm>
-          <a:prstGeom prst="rect">
-            <a:avLst/>
-          </a:prstGeom>
-        </p:spPr>
-      </p:pic>
-    </p:spTree>
-    <p:extLst>
-      <p:ext uri="{BB962C8B-B14F-4D97-AF65-F5344CB8AC3E}">
-        <p14:creationId xmlns:p14="http://schemas.microsoft.com/office/powerpoint/2010/main" val="4206705616"/>
-      </p:ext>
-    </p:extLst>
-  </p:cSld>
-  <p:clrMapOvr>
-    <a:masterClrMapping/>
-  </p:clrMapOvr>
-  <p:timing>
-    <p:tnLst>
-      <p:par>
-        <p:cTn id="1" dur="indefinite" restart="never" nodeType="tmRoot"/>
       </p:par>
     </p:tnLst>
   </p:timing>
@@ -14145,6 +14598,272 @@
 </file>
 
 <file path=ppt/slides/slide20.xml><?xml version="1.0" encoding="utf-8"?>
+<p:sld xmlns:a="http://schemas.openxmlformats.org/drawingml/2006/main" xmlns:r="http://schemas.openxmlformats.org/officeDocument/2006/relationships" xmlns:p="http://schemas.openxmlformats.org/presentationml/2006/main">
+  <p:cSld>
+    <p:spTree>
+      <p:nvGrpSpPr>
+        <p:cNvPr id="1" name=""/>
+        <p:cNvGrpSpPr/>
+        <p:nvPr/>
+      </p:nvGrpSpPr>
+      <p:grpSpPr>
+        <a:xfrm>
+          <a:off x="0" y="0"/>
+          <a:ext cx="0" cy="0"/>
+          <a:chOff x="0" y="0"/>
+          <a:chExt cx="0" cy="0"/>
+        </a:xfrm>
+      </p:grpSpPr>
+      <p:pic>
+        <p:nvPicPr>
+          <p:cNvPr id="2" name="Grafik 1"/>
+          <p:cNvPicPr>
+            <a:picLocks noChangeAspect="1"/>
+          </p:cNvPicPr>
+          <p:nvPr/>
+        </p:nvPicPr>
+        <p:blipFill>
+          <a:blip r:embed="rId2" cstate="print">
+            <a:extLst>
+              <a:ext uri="{28A0092B-C50C-407E-A947-70E740481C1C}">
+                <a14:useLocalDpi xmlns:a14="http://schemas.microsoft.com/office/drawing/2010/main" val="0"/>
+              </a:ext>
+            </a:extLst>
+          </a:blip>
+          <a:stretch>
+            <a:fillRect/>
+          </a:stretch>
+        </p:blipFill>
+        <p:spPr>
+          <a:xfrm>
+            <a:off x="6114702" y="2423643"/>
+            <a:ext cx="5430252" cy="3600400"/>
+          </a:xfrm>
+          <a:prstGeom prst="rect">
+            <a:avLst/>
+          </a:prstGeom>
+        </p:spPr>
+      </p:pic>
+      <p:sp>
+        <p:nvSpPr>
+          <p:cNvPr id="3" name="Titel 1">
+            <a:extLst>
+              <a:ext uri="{FF2B5EF4-FFF2-40B4-BE49-F238E27FC236}">
+                <a16:creationId xmlns:a16="http://schemas.microsoft.com/office/drawing/2014/main" id="{984877DB-B5BF-4F3C-B87A-D24EF7B31977}"/>
+              </a:ext>
+            </a:extLst>
+          </p:cNvPr>
+          <p:cNvSpPr>
+            <a:spLocks noGrp="1"/>
+          </p:cNvSpPr>
+          <p:nvPr>
+            <p:ph type="title"/>
+          </p:nvPr>
+        </p:nvSpPr>
+        <p:spPr>
+          <a:xfrm>
+            <a:off x="334799" y="190800"/>
+            <a:ext cx="8784000" cy="576000"/>
+          </a:xfrm>
+        </p:spPr>
+        <p:txBody>
+          <a:bodyPr/>
+          <a:lstStyle/>
+          <a:p>
+            <a:r>
+              <a:rPr lang="de-DE" dirty="0"/>
+              <a:t>Finanzierung</a:t>
+            </a:r>
+            <a:endParaRPr lang="LID4096" dirty="0"/>
+          </a:p>
+        </p:txBody>
+      </p:sp>
+      <p:sp>
+        <p:nvSpPr>
+          <p:cNvPr id="4" name="Inhaltsplatzhalter 2">
+            <a:extLst>
+              <a:ext uri="{FF2B5EF4-FFF2-40B4-BE49-F238E27FC236}">
+                <a16:creationId xmlns:a16="http://schemas.microsoft.com/office/drawing/2014/main" id="{775BB226-6F2A-4AA3-9418-BBC5909B2B04}"/>
+              </a:ext>
+            </a:extLst>
+          </p:cNvPr>
+          <p:cNvSpPr>
+            <a:spLocks noGrp="1"/>
+          </p:cNvSpPr>
+          <p:nvPr>
+            <p:ph idx="1"/>
+          </p:nvPr>
+        </p:nvSpPr>
+        <p:spPr>
+          <a:xfrm>
+            <a:off x="551384" y="1321975"/>
+            <a:ext cx="6553289" cy="4934129"/>
+          </a:xfrm>
+        </p:spPr>
+        <p:txBody>
+          <a:bodyPr/>
+          <a:lstStyle/>
+          <a:p>
+            <a:pPr marL="0" indent="0">
+              <a:buNone/>
+            </a:pPr>
+            <a:r>
+              <a:rPr lang="de-DE" b="1" dirty="0" err="1"/>
+              <a:t>AUTOtech.agil</a:t>
+            </a:r>
+            <a:endParaRPr lang="de-DE" b="1" dirty="0"/>
+          </a:p>
+          <a:p>
+            <a:endParaRPr lang="de-DE" dirty="0"/>
+          </a:p>
+          <a:p>
+            <a:pPr marL="0" indent="0">
+              <a:buNone/>
+            </a:pPr>
+            <a:r>
+              <a:rPr lang="de-DE" dirty="0"/>
+              <a:t>AP 2.1.7 Plattformkomponente zur Nutzung von Fahrzeugrechner-Ressourcen für internes und externes verteiltes </a:t>
+            </a:r>
+            <a:r>
+              <a:rPr lang="de-DE" dirty="0" smtClean="0"/>
+              <a:t>Rechnen (20 PM):</a:t>
+            </a:r>
+            <a:endParaRPr lang="de-DE" dirty="0"/>
+          </a:p>
+          <a:p>
+            <a:pPr marL="0" indent="0">
+              <a:buNone/>
+            </a:pPr>
+            <a:endParaRPr lang="de-DE" dirty="0"/>
+          </a:p>
+          <a:p>
+            <a:r>
+              <a:rPr lang="de-DE" dirty="0"/>
+              <a:t>Konzeptentwurf für Rechenressourcennutzung auf Fahrzeugen sowie in der Cloud</a:t>
+            </a:r>
+          </a:p>
+          <a:p>
+            <a:pPr marL="0" indent="0">
+              <a:buNone/>
+            </a:pPr>
+            <a:endParaRPr lang="de-DE" dirty="0"/>
+          </a:p>
+          <a:p>
+            <a:r>
+              <a:rPr lang="de-DE" dirty="0"/>
+              <a:t>Implementierung von Applikationen, welche Rechenressourcennutzung ermöglichen</a:t>
+            </a:r>
+          </a:p>
+          <a:p>
+            <a:pPr marL="0" indent="0">
+              <a:buNone/>
+            </a:pPr>
+            <a:endParaRPr lang="de-DE" dirty="0"/>
+          </a:p>
+          <a:p>
+            <a:r>
+              <a:rPr lang="de-DE" dirty="0"/>
+              <a:t>Erarbeitung von Sicherheitsmaßnahmen</a:t>
+            </a:r>
+            <a:endParaRPr lang="LID4096" dirty="0"/>
+          </a:p>
+        </p:txBody>
+      </p:sp>
+      <p:sp>
+        <p:nvSpPr>
+          <p:cNvPr id="5" name="Rechteck 4"/>
+          <p:cNvSpPr/>
+          <p:nvPr/>
+        </p:nvSpPr>
+        <p:spPr>
+          <a:xfrm>
+            <a:off x="334799" y="1052736"/>
+            <a:ext cx="11601455" cy="5544616"/>
+          </a:xfrm>
+          <a:prstGeom prst="rect">
+            <a:avLst/>
+          </a:prstGeom>
+          <a:noFill/>
+          <a:ln w="12700">
+            <a:solidFill>
+              <a:schemeClr val="tx1"/>
+            </a:solidFill>
+          </a:ln>
+        </p:spPr>
+        <p:style>
+          <a:lnRef idx="2">
+            <a:schemeClr val="accent1">
+              <a:shade val="50000"/>
+            </a:schemeClr>
+          </a:lnRef>
+          <a:fillRef idx="1">
+            <a:schemeClr val="accent1"/>
+          </a:fillRef>
+          <a:effectRef idx="0">
+            <a:schemeClr val="accent1"/>
+          </a:effectRef>
+          <a:fontRef idx="minor">
+            <a:schemeClr val="lt1"/>
+          </a:fontRef>
+        </p:style>
+        <p:txBody>
+          <a:bodyPr rtlCol="0" anchor="ctr"/>
+          <a:lstStyle/>
+          <a:p>
+            <a:pPr algn="ctr"/>
+            <a:endParaRPr lang="de-DE" dirty="0" err="1">
+              <a:solidFill>
+                <a:schemeClr val="tx1"/>
+              </a:solidFill>
+            </a:endParaRPr>
+          </a:p>
+        </p:txBody>
+      </p:sp>
+      <p:pic>
+        <p:nvPicPr>
+          <p:cNvPr id="6" name="Grafik 5"/>
+          <p:cNvPicPr>
+            <a:picLocks noChangeAspect="1"/>
+          </p:cNvPicPr>
+          <p:nvPr/>
+        </p:nvPicPr>
+        <p:blipFill>
+          <a:blip r:embed="rId3"/>
+          <a:stretch>
+            <a:fillRect/>
+          </a:stretch>
+        </p:blipFill>
+        <p:spPr>
+          <a:xfrm>
+            <a:off x="8112224" y="1156411"/>
+            <a:ext cx="3486036" cy="1119326"/>
+          </a:xfrm>
+          <a:prstGeom prst="rect">
+            <a:avLst/>
+          </a:prstGeom>
+        </p:spPr>
+      </p:pic>
+    </p:spTree>
+    <p:extLst>
+      <p:ext uri="{BB962C8B-B14F-4D97-AF65-F5344CB8AC3E}">
+        <p14:creationId xmlns:p14="http://schemas.microsoft.com/office/powerpoint/2010/main" val="4206705616"/>
+      </p:ext>
+    </p:extLst>
+  </p:cSld>
+  <p:clrMapOvr>
+    <a:masterClrMapping/>
+  </p:clrMapOvr>
+  <p:timing>
+    <p:tnLst>
+      <p:par>
+        <p:cTn id="1" dur="indefinite" restart="never" nodeType="tmRoot"/>
+      </p:par>
+    </p:tnLst>
+  </p:timing>
+</p:sld>
+</file>
+
+<file path=ppt/slides/slide21.xml><?xml version="1.0" encoding="utf-8"?>
 <p:sld xmlns:a="http://schemas.openxmlformats.org/drawingml/2006/main" xmlns:r="http://schemas.openxmlformats.org/officeDocument/2006/relationships" xmlns:p="http://schemas.openxmlformats.org/presentationml/2006/main">
   <p:cSld>
     <p:spTree>
@@ -17804,7 +18523,7 @@
         <p:spPr>
           <a:xfrm>
             <a:off x="551384" y="1338435"/>
-            <a:ext cx="6696744" cy="4247317"/>
+            <a:ext cx="6696744" cy="4832092"/>
           </a:xfrm>
           <a:prstGeom prst="rect">
             <a:avLst/>
@@ -17822,8 +18541,18 @@
               <a:buChar char="§"/>
             </a:pPr>
             <a:r>
-              <a:rPr lang="de-DE" dirty="0" smtClean="0"/>
-              <a:t>Cloud Computing ist bereits Stand der Technik in der Informatik:</a:t>
+              <a:rPr lang="de-DE" sz="1400" dirty="0" smtClean="0"/>
+              <a:t>Verteiltes Rechnen ist bereits Stand der Technik in der Informationstechnik</a:t>
+            </a:r>
+          </a:p>
+          <a:p>
+            <a:pPr marL="285750" indent="-285750">
+              <a:buFont typeface="Wingdings" panose="05000000000000000000" pitchFamily="2" charset="2"/>
+              <a:buChar char="§"/>
+            </a:pPr>
+            <a:r>
+              <a:rPr lang="de-DE" sz="1400" dirty="0" smtClean="0"/>
+              <a:t>Distributed Computing:</a:t>
             </a:r>
           </a:p>
           <a:p>
@@ -17832,8 +18561,8 @@
               <a:buChar char="§"/>
             </a:pPr>
             <a:r>
-              <a:rPr lang="de-DE" dirty="0" smtClean="0"/>
-              <a:t>Rechencluster werden aus Zusammensetzung von mehreren Servern gebildet</a:t>
+              <a:rPr lang="de-DE" sz="1400" dirty="0" smtClean="0"/>
+              <a:t>Rechencluster, zusammengesetzt aus mehreren Rechenzentren, die örtlich verteilt sind.</a:t>
             </a:r>
           </a:p>
           <a:p>
@@ -17841,9 +18570,16 @@
               <a:buFont typeface="Wingdings" panose="05000000000000000000" pitchFamily="2" charset="2"/>
               <a:buChar char="§"/>
             </a:pPr>
-            <a:r>
-              <a:rPr lang="de-DE" dirty="0" smtClean="0"/>
-              <a:t>Rechenleistung wird als „On Demand“ Service an Kunden angeboten</a:t>
+            <a:endParaRPr lang="de-DE" sz="1400" dirty="0"/>
+          </a:p>
+          <a:p>
+            <a:pPr marL="285750" indent="-285750">
+              <a:buFont typeface="Wingdings" panose="05000000000000000000" pitchFamily="2" charset="2"/>
+              <a:buChar char="§"/>
+            </a:pPr>
+            <a:r>
+              <a:rPr lang="de-DE" sz="1400" dirty="0" smtClean="0"/>
+              <a:t>Geschäftsmodell wird als „Cloud Computing“ bezeichnet:</a:t>
             </a:r>
           </a:p>
           <a:p>
@@ -17852,15 +18588,84 @@
               <a:buChar char="§"/>
             </a:pPr>
             <a:r>
-              <a:rPr lang="de-DE" dirty="0" smtClean="0"/>
-              <a:t>Abrechnung nach Nutzung</a:t>
-            </a:r>
-          </a:p>
-          <a:p>
-            <a:endParaRPr lang="de-DE" dirty="0" smtClean="0"/>
-          </a:p>
-          <a:p>
-            <a:endParaRPr lang="de-DE" dirty="0"/>
+              <a:rPr lang="de-DE" sz="1400" dirty="0" smtClean="0"/>
+              <a:t>Rechenressourcen als „On-Demand“ Service</a:t>
+            </a:r>
+          </a:p>
+          <a:p>
+            <a:pPr marL="1200150" lvl="2" indent="-285750">
+              <a:buFont typeface="Wingdings" panose="05000000000000000000" pitchFamily="2" charset="2"/>
+              <a:buChar char="§"/>
+            </a:pPr>
+            <a:r>
+              <a:rPr lang="de-DE" sz="1400" dirty="0" smtClean="0"/>
+              <a:t>Rechenleistung</a:t>
+            </a:r>
+          </a:p>
+          <a:p>
+            <a:pPr marL="1200150" lvl="2" indent="-285750">
+              <a:buFont typeface="Wingdings" panose="05000000000000000000" pitchFamily="2" charset="2"/>
+              <a:buChar char="§"/>
+            </a:pPr>
+            <a:r>
+              <a:rPr lang="de-DE" sz="1400" dirty="0" smtClean="0"/>
+              <a:t>Speicherkapazitäten</a:t>
+            </a:r>
+          </a:p>
+          <a:p>
+            <a:pPr marL="1200150" lvl="2" indent="-285750">
+              <a:buFont typeface="Wingdings" panose="05000000000000000000" pitchFamily="2" charset="2"/>
+              <a:buChar char="§"/>
+            </a:pPr>
+            <a:r>
+              <a:rPr lang="de-DE" sz="1400" dirty="0" smtClean="0"/>
+              <a:t>Datenbanken</a:t>
+            </a:r>
+          </a:p>
+          <a:p>
+            <a:pPr marL="1200150" lvl="2" indent="-285750">
+              <a:buFont typeface="Wingdings" panose="05000000000000000000" pitchFamily="2" charset="2"/>
+              <a:buChar char="§"/>
+            </a:pPr>
+            <a:r>
+              <a:rPr lang="de-DE" sz="1400" dirty="0" smtClean="0"/>
+              <a:t>Netzwerk</a:t>
+            </a:r>
+          </a:p>
+          <a:p>
+            <a:pPr marL="1200150" lvl="2" indent="-285750">
+              <a:buFont typeface="Wingdings" panose="05000000000000000000" pitchFamily="2" charset="2"/>
+              <a:buChar char="§"/>
+            </a:pPr>
+            <a:r>
+              <a:rPr lang="de-DE" sz="1400" dirty="0" smtClean="0"/>
+              <a:t>Software</a:t>
+            </a:r>
+          </a:p>
+          <a:p>
+            <a:pPr marL="742950" lvl="1" indent="-285750">
+              <a:buFont typeface="Wingdings" panose="05000000000000000000" pitchFamily="2" charset="2"/>
+              <a:buChar char="§"/>
+            </a:pPr>
+            <a:r>
+              <a:rPr lang="de-DE" sz="1400" dirty="0" smtClean="0"/>
+              <a:t>Abrechnung nach Nutzung (</a:t>
+            </a:r>
+            <a:r>
+              <a:rPr lang="de-DE" sz="1400" dirty="0" err="1" smtClean="0"/>
+              <a:t>pay-as-you-go</a:t>
+            </a:r>
+            <a:r>
+              <a:rPr lang="de-DE" sz="1400" dirty="0"/>
+              <a:t>)</a:t>
+            </a:r>
+            <a:endParaRPr lang="de-DE" sz="1400" dirty="0" smtClean="0"/>
+          </a:p>
+          <a:p>
+            <a:endParaRPr lang="de-DE" sz="1400" dirty="0" smtClean="0"/>
+          </a:p>
+          <a:p>
+            <a:endParaRPr lang="de-DE" sz="1400" dirty="0"/>
           </a:p>
           <a:p>
             <a:pPr marL="285750" indent="-285750">
@@ -17868,8 +18673,16 @@
               <a:buChar char="§"/>
             </a:pPr>
             <a:r>
-              <a:rPr lang="de-DE" dirty="0" smtClean="0"/>
-              <a:t>Fahrzeuge können ebenfalls in Rechencluster zusammengesetzt werden:</a:t>
+              <a:rPr lang="de-DE" sz="1400" dirty="0" smtClean="0"/>
+              <a:t>Fahrzeuge können ebenfalls in </a:t>
+            </a:r>
+            <a:r>
+              <a:rPr lang="de-DE" sz="1400" dirty="0" smtClean="0"/>
+              <a:t>Rechencluster (Distributed Computing) </a:t>
+            </a:r>
+            <a:r>
+              <a:rPr lang="de-DE" sz="1400" dirty="0" smtClean="0"/>
+              <a:t>zusammengesetzt werden:</a:t>
             </a:r>
           </a:p>
           <a:p>
@@ -17878,22 +18691,38 @@
               <a:buChar char="§"/>
             </a:pPr>
             <a:r>
-              <a:rPr lang="de-DE" dirty="0" smtClean="0"/>
-              <a:t>Bessere Ausnutzung der Ressourcen in Fahrzuständen wo die Rechenleistung lokal nicht benötigt wird (Parken)</a:t>
+              <a:rPr lang="de-DE" sz="1400" dirty="0" smtClean="0"/>
+              <a:t>Bessere Ausnutzung der Ressourcen in Fahrzuständen wo die Rechenleistung lokal nicht benötigt wird (Parken</a:t>
+            </a:r>
+            <a:r>
+              <a:rPr lang="de-DE" sz="1400" dirty="0" smtClean="0"/>
+              <a:t>)</a:t>
             </a:r>
           </a:p>
           <a:p>
             <a:pPr marL="742950" lvl="1" indent="-285750">
-              <a:buFont typeface="Arial" panose="020B0604020202020204" pitchFamily="34" charset="0"/>
-              <a:buChar char="•"/>
+              <a:buFont typeface="Wingdings" panose="05000000000000000000" pitchFamily="2" charset="2"/>
+              <a:buChar char="§"/>
             </a:pPr>
             <a:r>
-              <a:rPr lang="de-DE" dirty="0" smtClean="0"/>
-              <a:t>Wärmeerzeugung für z.B. Innenraum mit Rechenleistung</a:t>
-            </a:r>
-          </a:p>
-          <a:p>
-            <a:endParaRPr lang="de-DE" dirty="0"/>
+              <a:rPr lang="de-DE" sz="1400" dirty="0"/>
+              <a:t>Wärmeerzeugung für z.B. Innenraum mit </a:t>
+            </a:r>
+            <a:r>
+              <a:rPr lang="de-DE" sz="1400" dirty="0" smtClean="0"/>
+              <a:t>Rechenleistung</a:t>
+            </a:r>
+          </a:p>
+          <a:p>
+            <a:pPr marL="742950" lvl="1" indent="-285750">
+              <a:buFont typeface="Wingdings" panose="05000000000000000000" pitchFamily="2" charset="2"/>
+              <a:buChar char="§"/>
+            </a:pPr>
+            <a:r>
+              <a:rPr lang="de-DE" sz="1400" dirty="0" smtClean="0"/>
+              <a:t>Rechenleistung kann im Cloud Computing Modell zur Verfügung gestellt werden</a:t>
+            </a:r>
+            <a:endParaRPr lang="de-DE" sz="1400" dirty="0"/>
           </a:p>
         </p:txBody>
       </p:sp>
@@ -17934,105 +18763,9 @@
           <a:chExt cx="0" cy="0"/>
         </a:xfrm>
       </p:grpSpPr>
-      <p:grpSp>
-        <p:nvGrpSpPr>
-          <p:cNvPr id="2" name="Highlight"/>
-          <p:cNvGrpSpPr>
-            <a:grpSpLocks/>
-          </p:cNvGrpSpPr>
-          <p:nvPr/>
-        </p:nvGrpSpPr>
-        <p:grpSpPr bwMode="auto">
-          <a:xfrm>
-            <a:off x="330200" y="2508250"/>
-            <a:ext cx="11518900" cy="288776"/>
-            <a:chOff x="342" y="1063"/>
-            <a:chExt cx="4329" cy="276"/>
-          </a:xfrm>
-        </p:grpSpPr>
-        <p:sp>
-          <p:nvSpPr>
-            <p:cNvPr id="3" name="Rectangle 1042"/>
-            <p:cNvSpPr>
-              <a:spLocks noChangeArrowheads="1"/>
-            </p:cNvSpPr>
-            <p:nvPr/>
-          </p:nvSpPr>
-          <p:spPr bwMode="auto">
-            <a:xfrm>
-              <a:off x="342" y="1063"/>
-              <a:ext cx="3118" cy="276"/>
-            </a:xfrm>
-            <a:prstGeom prst="rect">
-              <a:avLst/>
-            </a:prstGeom>
-            <a:solidFill>
-              <a:srgbClr val="FFFF00"/>
-            </a:solidFill>
-            <a:ln w="7239">
-              <a:noFill/>
-              <a:miter lim="800000"/>
-              <a:headEnd/>
-              <a:tailEnd/>
-            </a:ln>
-          </p:spPr>
-          <p:txBody>
-            <a:bodyPr wrap="none" anchor="ctr"/>
-            <a:lstStyle/>
-            <a:p>
-              <a:pPr algn="r" eaLnBrk="0" hangingPunct="0"/>
-              <a:endParaRPr lang="de-DE" dirty="0"/>
-            </a:p>
-          </p:txBody>
-        </p:sp>
-        <p:sp>
-          <p:nvSpPr>
-            <p:cNvPr id="4" name="Rectangle 1043"/>
-            <p:cNvSpPr>
-              <a:spLocks noChangeArrowheads="1"/>
-            </p:cNvSpPr>
-            <p:nvPr/>
-          </p:nvSpPr>
-          <p:spPr bwMode="auto">
-            <a:xfrm>
-              <a:off x="3460" y="1063"/>
-              <a:ext cx="1211" cy="276"/>
-            </a:xfrm>
-            <a:prstGeom prst="rect">
-              <a:avLst/>
-            </a:prstGeom>
-            <a:gradFill flip="none" rotWithShape="1">
-              <a:gsLst>
-                <a:gs pos="0">
-                  <a:srgbClr val="FFFF00"/>
-                </a:gs>
-                <a:gs pos="100000">
-                  <a:srgbClr val="FFFFFF"/>
-                </a:gs>
-              </a:gsLst>
-              <a:lin ang="0" scaled="1"/>
-              <a:tileRect/>
-            </a:gradFill>
-            <a:ln w="7239">
-              <a:noFill/>
-              <a:miter lim="800000"/>
-              <a:headEnd/>
-              <a:tailEnd/>
-            </a:ln>
-          </p:spPr>
-          <p:txBody>
-            <a:bodyPr wrap="none" anchor="ctr"/>
-            <a:lstStyle/>
-            <a:p>
-              <a:pPr algn="r" eaLnBrk="0" hangingPunct="0"/>
-              <a:endParaRPr lang="de-DE" dirty="0"/>
-            </a:p>
-          </p:txBody>
-        </p:sp>
-      </p:grpSp>
       <p:sp>
         <p:nvSpPr>
-          <p:cNvPr id="5" name="Titel 3"/>
+          <p:cNvPr id="2" name="Titel 1"/>
           <p:cNvSpPr>
             <a:spLocks noGrp="1"/>
           </p:cNvSpPr>
@@ -18040,115 +18773,449 @@
             <p:ph type="title"/>
           </p:nvPr>
         </p:nvSpPr>
-        <p:spPr>
-          <a:xfrm>
-            <a:off x="334799" y="190800"/>
-            <a:ext cx="8784000" cy="576000"/>
-          </a:xfrm>
-        </p:spPr>
+        <p:spPr/>
         <p:txBody>
           <a:bodyPr/>
           <a:lstStyle/>
           <a:p>
             <a:r>
-              <a:rPr lang="en-GB" dirty="0" err="1"/>
-              <a:t>Inhalt</a:t>
-            </a:r>
-            <a:endParaRPr lang="en-GB" dirty="0"/>
+              <a:rPr lang="de-DE" dirty="0" smtClean="0"/>
+              <a:t>Verteiltes Rechnen</a:t>
+            </a:r>
+            <a:endParaRPr lang="de-DE" dirty="0"/>
           </a:p>
         </p:txBody>
       </p:sp>
       <p:sp>
         <p:nvSpPr>
-          <p:cNvPr id="6" name="Inhaltsplatzhalter 13"/>
+          <p:cNvPr id="3" name="Inhaltsplatzhalter 2"/>
           <p:cNvSpPr>
             <a:spLocks noGrp="1"/>
           </p:cNvSpPr>
           <p:nvPr>
-            <p:ph idx="1"/>
+            <p:ph sz="half" idx="1"/>
           </p:nvPr>
         </p:nvSpPr>
         <p:spPr>
           <a:xfrm>
-            <a:off x="334799" y="1447199"/>
-            <a:ext cx="11523600" cy="5144400"/>
+            <a:off x="479376" y="1249244"/>
+            <a:ext cx="4752528" cy="5151600"/>
           </a:xfrm>
         </p:spPr>
         <p:txBody>
-          <a:bodyPr/>
+          <a:bodyPr>
+            <a:normAutofit fontScale="92500" lnSpcReduction="10000"/>
+          </a:bodyPr>
           <a:lstStyle/>
           <a:p>
-            <a:r>
-              <a:rPr lang="en-US" dirty="0" err="1"/>
-              <a:t>Informationen</a:t>
-            </a:r>
-            <a:r>
-              <a:rPr lang="en-US" dirty="0"/>
+            <a:pPr marL="0" indent="0">
+              <a:buNone/>
+            </a:pPr>
+            <a:r>
+              <a:rPr lang="de-DE" sz="1400" b="1" dirty="0" smtClean="0"/>
+              <a:t>Softwareverwaltung in der Informationstechnik:</a:t>
+            </a:r>
+          </a:p>
+          <a:p>
+            <a:r>
+              <a:rPr lang="de-DE" sz="1400" dirty="0" smtClean="0"/>
+              <a:t>Virtuelle Maschinen (virtuelles Betriebssystem)</a:t>
+            </a:r>
+          </a:p>
+          <a:p>
+            <a:r>
+              <a:rPr lang="de-DE" sz="1400" dirty="0" smtClean="0"/>
+              <a:t>Container (Virtualisierung innerhalb des Host Betriebssystems)</a:t>
+            </a:r>
+          </a:p>
+          <a:p>
+            <a:r>
+              <a:rPr lang="de-DE" sz="1400" dirty="0" smtClean="0"/>
+              <a:t>Package Manager</a:t>
+            </a:r>
+          </a:p>
+          <a:p>
+            <a:r>
+              <a:rPr lang="de-DE" sz="1400" dirty="0" smtClean="0"/>
+              <a:t>Manuelle Verwaltung</a:t>
+            </a:r>
+            <a:r>
+              <a:rPr lang="de-DE" sz="1400" dirty="0"/>
+              <a:t>	</a:t>
+            </a:r>
+            <a:endParaRPr lang="de-DE" sz="1400" dirty="0" smtClean="0"/>
+          </a:p>
+          <a:p>
+            <a:endParaRPr lang="de-DE" sz="1400" dirty="0" smtClean="0"/>
+          </a:p>
+          <a:p>
+            <a:pPr marL="0" indent="0">
+              <a:buNone/>
+            </a:pPr>
+            <a:r>
+              <a:rPr lang="de-DE" sz="1400" dirty="0" smtClean="0"/>
+              <a:t>	Aufgrund von Sicherheitskriterien und	Sicherstellung der passenden Laufzeitumgebung 	werden heutzutage hauptsächlich Virtuelle 	Maschinen 	und Container verwendet.</a:t>
+            </a:r>
+          </a:p>
+          <a:p>
+            <a:pPr marL="0" indent="0">
+              <a:buNone/>
+            </a:pPr>
+            <a:endParaRPr lang="de-DE" sz="1400" dirty="0" smtClean="0"/>
+          </a:p>
+          <a:p>
+            <a:pPr marL="0" indent="0">
+              <a:buNone/>
+            </a:pPr>
+            <a:r>
+              <a:rPr lang="de-DE" sz="1400" b="1" dirty="0" smtClean="0"/>
+              <a:t>Beispiele für Container </a:t>
+            </a:r>
+            <a:r>
+              <a:rPr lang="de-DE" sz="1400" b="1" dirty="0" err="1" smtClean="0"/>
+              <a:t>Runtimes</a:t>
+            </a:r>
+            <a:r>
+              <a:rPr lang="de-DE" sz="1400" b="1" dirty="0" smtClean="0"/>
+              <a:t>:</a:t>
+            </a:r>
+          </a:p>
+          <a:p>
+            <a:r>
+              <a:rPr lang="de-DE" sz="1400" dirty="0" smtClean="0"/>
+              <a:t>Docker</a:t>
+            </a:r>
+          </a:p>
+          <a:p>
+            <a:r>
+              <a:rPr lang="de-DE" sz="1400" dirty="0" err="1" smtClean="0"/>
+              <a:t>Containerd</a:t>
+            </a:r>
+            <a:endParaRPr lang="de-DE" sz="1400" dirty="0" smtClean="0"/>
+          </a:p>
+          <a:p>
+            <a:r>
+              <a:rPr lang="de-DE" sz="1400" dirty="0" err="1" smtClean="0"/>
+              <a:t>Mirantis</a:t>
+            </a:r>
+            <a:r>
+              <a:rPr lang="de-DE" sz="1400" dirty="0" smtClean="0"/>
+              <a:t> Container </a:t>
+            </a:r>
+            <a:r>
+              <a:rPr lang="de-DE" sz="1400" dirty="0" err="1" smtClean="0"/>
+              <a:t>Runtime</a:t>
+            </a:r>
+            <a:endParaRPr lang="de-DE" sz="1400" dirty="0" smtClean="0"/>
+          </a:p>
+          <a:p>
+            <a:pPr marL="0" indent="0">
+              <a:buNone/>
+            </a:pPr>
+            <a:endParaRPr lang="de-DE" sz="1400" dirty="0" smtClean="0"/>
+          </a:p>
+          <a:p>
+            <a:pPr marL="0" indent="0">
+              <a:buNone/>
+            </a:pPr>
+            <a:r>
+              <a:rPr lang="de-DE" sz="1400" b="1" dirty="0"/>
+              <a:t>Beispiele für Virtuelle Maschinen:</a:t>
+            </a:r>
+          </a:p>
+          <a:p>
+            <a:r>
+              <a:rPr lang="de-DE" sz="1400" dirty="0" err="1"/>
+              <a:t>Vmware</a:t>
+            </a:r>
+            <a:r>
+              <a:rPr lang="de-DE" sz="1400" dirty="0"/>
               <a:t> </a:t>
             </a:r>
             <a:r>
-              <a:rPr lang="en-US" dirty="0" err="1"/>
-              <a:t>zur</a:t>
-            </a:r>
-            <a:r>
-              <a:rPr lang="en-US" dirty="0"/>
-              <a:t> Person</a:t>
-            </a:r>
-          </a:p>
-          <a:p>
-            <a:r>
-              <a:rPr lang="en-US" dirty="0" err="1"/>
-              <a:t>Einleitung</a:t>
-            </a:r>
-            <a:endParaRPr lang="en-US" dirty="0"/>
-          </a:p>
-          <a:p>
-            <a:r>
-              <a:rPr lang="de-DE" dirty="0"/>
-              <a:t>Verteiltes Rechnen</a:t>
-            </a:r>
-          </a:p>
-          <a:p>
-            <a:r>
-              <a:rPr lang="de-DE" dirty="0"/>
-              <a:t>Anforderungen und </a:t>
-            </a:r>
-            <a:r>
-              <a:rPr lang="de-DE" dirty="0" smtClean="0"/>
-              <a:t>Anwendungsfälle</a:t>
-            </a:r>
-          </a:p>
-          <a:p>
-            <a:r>
-              <a:rPr lang="de-DE" dirty="0" smtClean="0"/>
-              <a:t>Softwarearchitektur</a:t>
-            </a:r>
-          </a:p>
-          <a:p>
-            <a:r>
-              <a:rPr lang="de-DE" dirty="0" smtClean="0"/>
-              <a:t>Arbeitsfortschritt </a:t>
-            </a:r>
-            <a:r>
-              <a:rPr lang="de-DE" dirty="0"/>
-              <a:t>und nächste Schritte</a:t>
-            </a:r>
-          </a:p>
-          <a:p>
-            <a:r>
-              <a:rPr lang="de-DE" dirty="0"/>
-              <a:t>Finanzierung</a:t>
-            </a:r>
-          </a:p>
-          <a:p>
-            <a:endParaRPr lang="en-GB" dirty="0"/>
+              <a:rPr lang="de-DE" sz="1400" dirty="0" err="1"/>
+              <a:t>vSphere</a:t>
+            </a:r>
+            <a:endParaRPr lang="de-DE" sz="1400" dirty="0"/>
+          </a:p>
+          <a:p>
+            <a:r>
+              <a:rPr lang="de-DE" sz="1400" dirty="0"/>
+              <a:t>Microsoft Hyper-V</a:t>
+            </a:r>
+          </a:p>
+          <a:p>
+            <a:r>
+              <a:rPr lang="de-DE" sz="1400" dirty="0"/>
+              <a:t>KVM</a:t>
+            </a:r>
+          </a:p>
+          <a:p>
+            <a:pPr marL="0" indent="0">
+              <a:buNone/>
+            </a:pPr>
+            <a:endParaRPr lang="de-DE" dirty="0" smtClean="0"/>
+          </a:p>
+          <a:p>
+            <a:pPr marL="0" indent="0">
+              <a:buNone/>
+            </a:pPr>
+            <a:endParaRPr lang="de-DE" dirty="0"/>
+          </a:p>
+        </p:txBody>
+      </p:sp>
+      <p:sp>
+        <p:nvSpPr>
+          <p:cNvPr id="4" name="Inhaltsplatzhalter 3"/>
+          <p:cNvSpPr>
+            <a:spLocks noGrp="1"/>
+          </p:cNvSpPr>
+          <p:nvPr>
+            <p:ph sz="half" idx="2"/>
+          </p:nvPr>
+        </p:nvSpPr>
+        <p:spPr>
+          <a:xfrm>
+            <a:off x="6312024" y="1249244"/>
+            <a:ext cx="5518800" cy="5151600"/>
+          </a:xfrm>
+        </p:spPr>
+        <p:txBody>
+          <a:bodyPr>
+            <a:normAutofit fontScale="92500" lnSpcReduction="10000"/>
+          </a:bodyPr>
+          <a:lstStyle/>
+          <a:p>
+            <a:pPr marL="0" indent="0">
+              <a:buNone/>
+            </a:pPr>
+            <a:r>
+              <a:rPr lang="de-DE" sz="1400" b="1" dirty="0" smtClean="0"/>
+              <a:t>Beispiele für Management Systeme:</a:t>
+            </a:r>
+          </a:p>
+          <a:p>
+            <a:r>
+              <a:rPr lang="de-DE" sz="1400" dirty="0" err="1" smtClean="0"/>
+              <a:t>Kubernetes</a:t>
+            </a:r>
+            <a:endParaRPr lang="de-DE" sz="1400" dirty="0" smtClean="0"/>
+          </a:p>
+          <a:p>
+            <a:r>
+              <a:rPr lang="de-DE" sz="1400" dirty="0" smtClean="0"/>
+              <a:t>Docker </a:t>
+            </a:r>
+            <a:r>
+              <a:rPr lang="de-DE" sz="1400" dirty="0" err="1" smtClean="0"/>
+              <a:t>Swarm</a:t>
+            </a:r>
+            <a:endParaRPr lang="de-DE" sz="1400" dirty="0" smtClean="0"/>
+          </a:p>
+          <a:p>
+            <a:r>
+              <a:rPr lang="de-DE" sz="1400" dirty="0" smtClean="0"/>
+              <a:t>Apache </a:t>
+            </a:r>
+            <a:r>
+              <a:rPr lang="de-DE" sz="1400" dirty="0" err="1" smtClean="0"/>
+              <a:t>Mesos</a:t>
+            </a:r>
+            <a:endParaRPr lang="de-DE" sz="1400" dirty="0" smtClean="0"/>
+          </a:p>
+          <a:p>
+            <a:endParaRPr lang="de-DE" dirty="0"/>
+          </a:p>
+          <a:p>
+            <a:pPr marL="360000" lvl="1" indent="0">
+              <a:buNone/>
+            </a:pPr>
+            <a:endParaRPr lang="de-DE" dirty="0" smtClean="0"/>
+          </a:p>
+        </p:txBody>
+      </p:sp>
+      <p:sp>
+        <p:nvSpPr>
+          <p:cNvPr id="5" name="Rechteck 4"/>
+          <p:cNvSpPr/>
+          <p:nvPr/>
+        </p:nvSpPr>
+        <p:spPr>
+          <a:xfrm>
+            <a:off x="334799" y="1052736"/>
+            <a:ext cx="11601455" cy="5544616"/>
+          </a:xfrm>
+          <a:prstGeom prst="rect">
+            <a:avLst/>
+          </a:prstGeom>
+          <a:noFill/>
+          <a:ln w="12700">
+            <a:solidFill>
+              <a:schemeClr val="tx1"/>
+            </a:solidFill>
+          </a:ln>
+        </p:spPr>
+        <p:style>
+          <a:lnRef idx="2">
+            <a:schemeClr val="accent1">
+              <a:shade val="50000"/>
+            </a:schemeClr>
+          </a:lnRef>
+          <a:fillRef idx="1">
+            <a:schemeClr val="accent1"/>
+          </a:fillRef>
+          <a:effectRef idx="0">
+            <a:schemeClr val="accent1"/>
+          </a:effectRef>
+          <a:fontRef idx="minor">
+            <a:schemeClr val="lt1"/>
+          </a:fontRef>
+        </p:style>
+        <p:txBody>
+          <a:bodyPr rtlCol="0" anchor="ctr"/>
+          <a:lstStyle/>
+          <a:p>
+            <a:pPr algn="ctr"/>
+            <a:endParaRPr lang="de-DE" dirty="0" err="1">
+              <a:solidFill>
+                <a:schemeClr val="tx1"/>
+              </a:solidFill>
+            </a:endParaRPr>
+          </a:p>
+        </p:txBody>
+      </p:sp>
+      <p:sp>
+        <p:nvSpPr>
+          <p:cNvPr id="6" name="Pfeil nach rechts 5"/>
+          <p:cNvSpPr/>
+          <p:nvPr/>
+        </p:nvSpPr>
+        <p:spPr>
+          <a:xfrm>
+            <a:off x="509758" y="3068960"/>
+            <a:ext cx="690601" cy="360040"/>
+          </a:xfrm>
+          <a:prstGeom prst="rightArrow">
+            <a:avLst/>
+          </a:prstGeom>
+          <a:solidFill>
+            <a:schemeClr val="accent3"/>
+          </a:solidFill>
+          <a:ln w="12700">
+            <a:solidFill>
+              <a:schemeClr val="tx1"/>
+            </a:solidFill>
+          </a:ln>
+        </p:spPr>
+        <p:style>
+          <a:lnRef idx="2">
+            <a:schemeClr val="accent1">
+              <a:shade val="50000"/>
+            </a:schemeClr>
+          </a:lnRef>
+          <a:fillRef idx="1">
+            <a:schemeClr val="accent1"/>
+          </a:fillRef>
+          <a:effectRef idx="0">
+            <a:schemeClr val="accent1"/>
+          </a:effectRef>
+          <a:fontRef idx="minor">
+            <a:schemeClr val="lt1"/>
+          </a:fontRef>
+        </p:style>
+        <p:txBody>
+          <a:bodyPr rtlCol="0" anchor="ctr"/>
+          <a:lstStyle/>
+          <a:p>
+            <a:pPr algn="ctr"/>
+            <a:endParaRPr lang="de-DE" dirty="0" err="1" smtClean="0">
+              <a:solidFill>
+                <a:schemeClr val="tx1"/>
+              </a:solidFill>
+            </a:endParaRPr>
+          </a:p>
+        </p:txBody>
+      </p:sp>
+      <p:pic>
+        <p:nvPicPr>
+          <p:cNvPr id="8" name="Grafik 7"/>
+          <p:cNvPicPr>
+            <a:picLocks noChangeAspect="1"/>
+          </p:cNvPicPr>
+          <p:nvPr/>
+        </p:nvPicPr>
+        <p:blipFill>
+          <a:blip r:embed="rId2" cstate="print">
+            <a:extLst>
+              <a:ext uri="{28A0092B-C50C-407E-A947-70E740481C1C}">
+                <a14:useLocalDpi xmlns:a14="http://schemas.microsoft.com/office/drawing/2010/main" val="0"/>
+              </a:ext>
+            </a:extLst>
+          </a:blip>
+          <a:stretch>
+            <a:fillRect/>
+          </a:stretch>
+        </p:blipFill>
+        <p:spPr>
+          <a:xfrm>
+            <a:off x="5131197" y="2852936"/>
+            <a:ext cx="6627619" cy="3096344"/>
+          </a:xfrm>
+          <a:prstGeom prst="rect">
+            <a:avLst/>
+          </a:prstGeom>
+        </p:spPr>
+      </p:pic>
+      <p:sp>
+        <p:nvSpPr>
+          <p:cNvPr id="9" name="Textfeld 8"/>
+          <p:cNvSpPr txBox="1"/>
+          <p:nvPr/>
+        </p:nvSpPr>
+        <p:spPr>
+          <a:xfrm>
+            <a:off x="9883725" y="5927439"/>
+            <a:ext cx="1906291" cy="307777"/>
+          </a:xfrm>
+          <a:prstGeom prst="rect">
+            <a:avLst/>
+          </a:prstGeom>
+          <a:noFill/>
+        </p:spPr>
+        <p:txBody>
+          <a:bodyPr wrap="none" rtlCol="0">
+            <a:spAutoFit/>
+          </a:bodyPr>
+          <a:lstStyle/>
+          <a:p>
+            <a:r>
+              <a:rPr lang="de-DE" sz="1400" dirty="0">
+                <a:solidFill>
+                  <a:schemeClr val="bg2"/>
+                </a:solidFill>
+              </a:rPr>
+              <a:t>Quelle: </a:t>
+            </a:r>
+            <a:r>
+              <a:rPr lang="de-DE" sz="1400" dirty="0" smtClean="0">
+                <a:solidFill>
+                  <a:schemeClr val="bg2"/>
+                </a:solidFill>
+              </a:rPr>
+              <a:t>Kubernetes.io</a:t>
+            </a:r>
+            <a:endParaRPr lang="de-DE" sz="1400" dirty="0">
+              <a:solidFill>
+                <a:schemeClr val="bg2"/>
+              </a:solidFill>
+            </a:endParaRPr>
           </a:p>
         </p:txBody>
       </p:sp>
     </p:spTree>
     <p:extLst>
       <p:ext uri="{BB962C8B-B14F-4D97-AF65-F5344CB8AC3E}">
-        <p14:creationId xmlns:p14="http://schemas.microsoft.com/office/powerpoint/2010/main" val="827391376"/>
+        <p14:creationId xmlns:p14="http://schemas.microsoft.com/office/powerpoint/2010/main" val="455692007"/>
       </p:ext>
     </p:extLst>
   </p:cSld>
@@ -18158,83 +19225,7 @@
   <p:timing>
     <p:tnLst>
       <p:par>
-        <p:cTn id="1" dur="indefinite" restart="never" nodeType="tmRoot">
-          <p:childTnLst>
-            <p:seq concurrent="1" nextAc="seek">
-              <p:cTn id="2" dur="indefinite" nodeType="mainSeq">
-                <p:childTnLst>
-                  <p:par>
-                    <p:cTn id="3" fill="hold">
-                      <p:stCondLst>
-                        <p:cond delay="indefinite"/>
-                      </p:stCondLst>
-                      <p:childTnLst>
-                        <p:par>
-                          <p:cTn id="4" fill="hold">
-                            <p:stCondLst>
-                              <p:cond delay="0"/>
-                            </p:stCondLst>
-                            <p:childTnLst>
-                              <p:par>
-                                <p:cTn id="5" presetID="22" presetClass="entr" presetSubtype="8" fill="hold" nodeType="clickEffect">
-                                  <p:stCondLst>
-                                    <p:cond delay="0"/>
-                                  </p:stCondLst>
-                                  <p:childTnLst>
-                                    <p:set>
-                                      <p:cBhvr>
-                                        <p:cTn id="6" dur="1" fill="hold">
-                                          <p:stCondLst>
-                                            <p:cond delay="0"/>
-                                          </p:stCondLst>
-                                        </p:cTn>
-                                        <p:tgtEl>
-                                          <p:spTgt spid="2"/>
-                                        </p:tgtEl>
-                                        <p:attrNameLst>
-                                          <p:attrName>style.visibility</p:attrName>
-                                        </p:attrNameLst>
-                                      </p:cBhvr>
-                                      <p:to>
-                                        <p:strVal val="visible"/>
-                                      </p:to>
-                                    </p:set>
-                                    <p:animEffect transition="in" filter="wipe(left)">
-                                      <p:cBhvr>
-                                        <p:cTn id="7" dur="500"/>
-                                        <p:tgtEl>
-                                          <p:spTgt spid="2"/>
-                                        </p:tgtEl>
-                                      </p:cBhvr>
-                                    </p:animEffect>
-                                  </p:childTnLst>
-                                </p:cTn>
-                              </p:par>
-                            </p:childTnLst>
-                          </p:cTn>
-                        </p:par>
-                      </p:childTnLst>
-                    </p:cTn>
-                  </p:par>
-                </p:childTnLst>
-              </p:cTn>
-              <p:prevCondLst>
-                <p:cond evt="onPrev" delay="0">
-                  <p:tgtEl>
-                    <p:sldTgt/>
-                  </p:tgtEl>
-                </p:cond>
-              </p:prevCondLst>
-              <p:nextCondLst>
-                <p:cond evt="onNext" delay="0">
-                  <p:tgtEl>
-                    <p:sldTgt/>
-                  </p:tgtEl>
-                </p:cond>
-              </p:nextCondLst>
-            </p:seq>
-          </p:childTnLst>
-        </p:cTn>
+        <p:cTn id="1" dur="indefinite" restart="never" nodeType="tmRoot"/>
       </p:par>
     </p:tnLst>
   </p:timing>
